--- a/presentazione/Colussi_Davide_Presentazione.pptx
+++ b/presentazione/Colussi_Davide_Presentazione.pptx
@@ -11,11 +11,10 @@
     <p:sldId id="260" r:id="rId5"/>
     <p:sldId id="262" r:id="rId6"/>
     <p:sldId id="261" r:id="rId7"/>
-    <p:sldId id="265" r:id="rId8"/>
-    <p:sldId id="266" r:id="rId9"/>
-    <p:sldId id="268" r:id="rId10"/>
-    <p:sldId id="263" r:id="rId11"/>
-    <p:sldId id="264" r:id="rId12"/>
+    <p:sldId id="263" r:id="rId8"/>
+    <p:sldId id="265" r:id="rId9"/>
+    <p:sldId id="266" r:id="rId10"/>
+    <p:sldId id="264" r:id="rId11"/>
   </p:sldIdLst>
   <p:sldSz cx="12192000" cy="6858000"/>
   <p:notesSz cx="6858000" cy="9144000"/>
@@ -114,7 +113,38 @@
       </a:defRPr>
     </a:lvl9pPr>
   </p:defaultTextStyle>
+  <p:extLst>
+    <p:ext uri="{EFAFB233-063F-42B5-8137-9DF3F51BA10A}">
+      <p15:sldGuideLst xmlns:p15="http://schemas.microsoft.com/office/powerpoint/2012/main"/>
+    </p:ext>
+  </p:extLst>
 </p:presentation>
+</file>
+
+<file path=ppt/commentAuthors.xml><?xml version="1.0" encoding="utf-8"?>
+<p:cmAuthorLst xmlns:a="http://schemas.openxmlformats.org/drawingml/2006/main" xmlns:r="http://schemas.openxmlformats.org/officeDocument/2006/relationships" xmlns:p="http://schemas.openxmlformats.org/presentationml/2006/main">
+  <p:cmAuthor id="1" name="Colussi Davide" initials="CD" lastIdx="1" clrIdx="0">
+    <p:extLst>
+      <p:ext uri="{19B8F6BF-5375-455C-9EA6-DF929625EA0E}">
+        <p15:presenceInfo xmlns:p15="http://schemas.microsoft.com/office/powerpoint/2012/main" userId="Colussi Davide" providerId="None"/>
+      </p:ext>
+    </p:extLst>
+  </p:cmAuthor>
+</p:cmAuthorLst>
+</file>
+
+<file path=ppt/comments/comment1.xml><?xml version="1.0" encoding="utf-8"?>
+<p:cmLst xmlns:a="http://schemas.openxmlformats.org/drawingml/2006/main" xmlns:r="http://schemas.openxmlformats.org/officeDocument/2006/relationships" xmlns:p="http://schemas.openxmlformats.org/presentationml/2006/main">
+  <p:cm authorId="1" dt="2021-09-17T12:05:50.027" idx="1">
+    <p:pos x="2056" y="3122"/>
+    <p:text>metodo di sviluppo</p:text>
+    <p:extLst>
+      <p:ext uri="{C676402C-5697-4E1C-873F-D02D1690AC5C}">
+        <p15:threadingInfo xmlns:p15="http://schemas.microsoft.com/office/powerpoint/2012/main" timeZoneBias="-120"/>
+      </p:ext>
+    </p:extLst>
+  </p:cm>
+</p:cmLst>
 </file>
 
 <file path=ppt/slideLayouts/slideLayout1.xml><?xml version="1.0" encoding="utf-8"?>
@@ -264,7 +294,7 @@
           <a:p>
             <a:fld id="{D77B27C8-DF53-4394-B867-71A591A11B25}" type="datetimeFigureOut">
               <a:rPr lang="it-IT" smtClean="0"/>
-              <a:t>16/set/2021</a:t>
+              <a:t>17/set/2021</a:t>
             </a:fld>
             <a:endParaRPr lang="it-IT"/>
           </a:p>
@@ -462,7 +492,7 @@
           <a:p>
             <a:fld id="{D77B27C8-DF53-4394-B867-71A591A11B25}" type="datetimeFigureOut">
               <a:rPr lang="it-IT" smtClean="0"/>
-              <a:t>16/set/2021</a:t>
+              <a:t>17/set/2021</a:t>
             </a:fld>
             <a:endParaRPr lang="it-IT"/>
           </a:p>
@@ -670,7 +700,7 @@
           <a:p>
             <a:fld id="{D77B27C8-DF53-4394-B867-71A591A11B25}" type="datetimeFigureOut">
               <a:rPr lang="it-IT" smtClean="0"/>
-              <a:t>16/set/2021</a:t>
+              <a:t>17/set/2021</a:t>
             </a:fld>
             <a:endParaRPr lang="it-IT"/>
           </a:p>
@@ -811,7 +841,7 @@
         </p:nvSpPr>
         <p:spPr>
           <a:xfrm>
-            <a:off x="175726" y="1396417"/>
+            <a:off x="1022393" y="1396417"/>
             <a:ext cx="11804780" cy="5325058"/>
           </a:xfrm>
         </p:spPr>
@@ -878,7 +908,7 @@
           <a:p>
             <a:fld id="{D77B27C8-DF53-4394-B867-71A591A11B25}" type="datetimeFigureOut">
               <a:rPr lang="it-IT" smtClean="0"/>
-              <a:t>16/set/2021</a:t>
+              <a:t>17/set/2021</a:t>
             </a:fld>
             <a:endParaRPr lang="it-IT"/>
           </a:p>
@@ -1153,7 +1183,7 @@
           <a:p>
             <a:fld id="{D77B27C8-DF53-4394-B867-71A591A11B25}" type="datetimeFigureOut">
               <a:rPr lang="it-IT" smtClean="0"/>
-              <a:t>16/set/2021</a:t>
+              <a:t>17/set/2021</a:t>
             </a:fld>
             <a:endParaRPr lang="it-IT"/>
           </a:p>
@@ -1418,7 +1448,7 @@
           <a:p>
             <a:fld id="{D77B27C8-DF53-4394-B867-71A591A11B25}" type="datetimeFigureOut">
               <a:rPr lang="it-IT" smtClean="0"/>
-              <a:t>16/set/2021</a:t>
+              <a:t>17/set/2021</a:t>
             </a:fld>
             <a:endParaRPr lang="it-IT"/>
           </a:p>
@@ -1830,7 +1860,7 @@
           <a:p>
             <a:fld id="{D77B27C8-DF53-4394-B867-71A591A11B25}" type="datetimeFigureOut">
               <a:rPr lang="it-IT" smtClean="0"/>
-              <a:t>16/set/2021</a:t>
+              <a:t>17/set/2021</a:t>
             </a:fld>
             <a:endParaRPr lang="it-IT"/>
           </a:p>
@@ -1971,7 +2001,7 @@
           <a:p>
             <a:fld id="{D77B27C8-DF53-4394-B867-71A591A11B25}" type="datetimeFigureOut">
               <a:rPr lang="it-IT" smtClean="0"/>
-              <a:t>16/set/2021</a:t>
+              <a:t>17/set/2021</a:t>
             </a:fld>
             <a:endParaRPr lang="it-IT"/>
           </a:p>
@@ -2084,7 +2114,7 @@
           <a:p>
             <a:fld id="{D77B27C8-DF53-4394-B867-71A591A11B25}" type="datetimeFigureOut">
               <a:rPr lang="it-IT" smtClean="0"/>
-              <a:t>16/set/2021</a:t>
+              <a:t>17/set/2021</a:t>
             </a:fld>
             <a:endParaRPr lang="it-IT"/>
           </a:p>
@@ -2395,7 +2425,7 @@
           <a:p>
             <a:fld id="{D77B27C8-DF53-4394-B867-71A591A11B25}" type="datetimeFigureOut">
               <a:rPr lang="it-IT" smtClean="0"/>
-              <a:t>16/set/2021</a:t>
+              <a:t>17/set/2021</a:t>
             </a:fld>
             <a:endParaRPr lang="it-IT"/>
           </a:p>
@@ -2683,7 +2713,7 @@
           <a:p>
             <a:fld id="{D77B27C8-DF53-4394-B867-71A591A11B25}" type="datetimeFigureOut">
               <a:rPr lang="it-IT" smtClean="0"/>
-              <a:t>16/set/2021</a:t>
+              <a:t>17/set/2021</a:t>
             </a:fld>
             <a:endParaRPr lang="it-IT"/>
           </a:p>
@@ -2924,7 +2954,7 @@
           <a:p>
             <a:fld id="{D77B27C8-DF53-4394-B867-71A591A11B25}" type="datetimeFigureOut">
               <a:rPr lang="it-IT" smtClean="0"/>
-              <a:t>16/set/2021</a:t>
+              <a:t>17/set/2021</a:t>
             </a:fld>
             <a:endParaRPr lang="it-IT"/>
           </a:p>
@@ -3357,7 +3387,12 @@
             <p:ph type="ctrTitle"/>
           </p:nvPr>
         </p:nvSpPr>
-        <p:spPr/>
+        <p:spPr>
+          <a:xfrm>
+            <a:off x="1524000" y="1180668"/>
+            <a:ext cx="9144000" cy="2387600"/>
+          </a:xfrm>
+        </p:spPr>
         <p:txBody>
           <a:bodyPr/>
           <a:lstStyle/>
@@ -3391,12 +3426,14 @@
         </p:nvSpPr>
         <p:spPr>
           <a:xfrm>
-            <a:off x="1524000" y="3627675"/>
-            <a:ext cx="9144000" cy="1655762"/>
-          </a:xfrm>
-        </p:spPr>
-        <p:txBody>
-          <a:bodyPr/>
+            <a:off x="1524000" y="3568268"/>
+            <a:ext cx="9144000" cy="1192153"/>
+          </a:xfrm>
+        </p:spPr>
+        <p:txBody>
+          <a:bodyPr>
+            <a:normAutofit/>
+          </a:bodyPr>
           <a:lstStyle/>
           <a:p>
             <a:pPr algn="l"/>
@@ -3428,13 +3465,157 @@
               </a:rPr>
               <a:t>Relazione sul tirocinio svolto presso la startup Unipiazza </a:t>
             </a:r>
-            <a:endParaRPr lang="it-IT" sz="3200" dirty="0">
+          </a:p>
+          <a:p>
+            <a:endParaRPr lang="it-IT" sz="3200" i="1" dirty="0">
+              <a:solidFill>
+                <a:srgbClr val="000000"/>
+              </a:solidFill>
               <a:latin typeface="Times New Roman" panose="02020603050405020304" pitchFamily="18" charset="0"/>
               <a:cs typeface="Times New Roman" panose="02020603050405020304" pitchFamily="18" charset="0"/>
             </a:endParaRPr>
           </a:p>
-        </p:txBody>
-      </p:sp>
+          <a:p>
+            <a:endParaRPr lang="it-IT" sz="3200" i="1" dirty="0">
+              <a:solidFill>
+                <a:srgbClr val="000000"/>
+              </a:solidFill>
+              <a:latin typeface="Times New Roman" panose="02020603050405020304" pitchFamily="18" charset="0"/>
+              <a:cs typeface="Times New Roman" panose="02020603050405020304" pitchFamily="18" charset="0"/>
+            </a:endParaRPr>
+          </a:p>
+        </p:txBody>
+      </p:sp>
+      <p:sp>
+        <p:nvSpPr>
+          <p:cNvPr id="4" name="CasellaDiTesto 3">
+            <a:extLst>
+              <a:ext uri="{FF2B5EF4-FFF2-40B4-BE49-F238E27FC236}">
+                <a16:creationId xmlns:a16="http://schemas.microsoft.com/office/drawing/2014/main" id="{3E643FD2-3AC0-4777-873A-501AAF2B4180}"/>
+              </a:ext>
+            </a:extLst>
+          </p:cNvPr>
+          <p:cNvSpPr txBox="1"/>
+          <p:nvPr/>
+        </p:nvSpPr>
+        <p:spPr>
+          <a:xfrm>
+            <a:off x="2116508" y="5387280"/>
+            <a:ext cx="7827948" cy="1711366"/>
+          </a:xfrm>
+          <a:prstGeom prst="rect">
+            <a:avLst/>
+          </a:prstGeom>
+          <a:noFill/>
+        </p:spPr>
+        <p:txBody>
+          <a:bodyPr wrap="square" rtlCol="0">
+            <a:spAutoFit/>
+          </a:bodyPr>
+          <a:lstStyle/>
+          <a:p>
+            <a:pPr algn="ctr">
+              <a:lnSpc>
+                <a:spcPct val="150000"/>
+              </a:lnSpc>
+            </a:pPr>
+            <a:r>
+              <a:rPr lang="it-IT" sz="1800" dirty="0">
+                <a:latin typeface="Times New Roman" panose="02020603050405020304" pitchFamily="18" charset="0"/>
+                <a:cs typeface="Times New Roman" panose="02020603050405020304" pitchFamily="18" charset="0"/>
+              </a:rPr>
+              <a:t>Laureando: Davide Colussi, 1189067</a:t>
+            </a:r>
+          </a:p>
+          <a:p>
+            <a:pPr algn="ctr">
+              <a:lnSpc>
+                <a:spcPct val="150000"/>
+              </a:lnSpc>
+            </a:pPr>
+            <a:r>
+              <a:rPr lang="it-IT" sz="1800" dirty="0">
+                <a:latin typeface="Times New Roman" panose="02020603050405020304" pitchFamily="18" charset="0"/>
+                <a:cs typeface="Times New Roman" panose="02020603050405020304" pitchFamily="18" charset="0"/>
+              </a:rPr>
+              <a:t>Relatore: prof. Mauro </a:t>
+            </a:r>
+            <a:r>
+              <a:rPr lang="it-IT" sz="1800" dirty="0" err="1">
+                <a:latin typeface="Times New Roman" panose="02020603050405020304" pitchFamily="18" charset="0"/>
+                <a:cs typeface="Times New Roman" panose="02020603050405020304" pitchFamily="18" charset="0"/>
+              </a:rPr>
+              <a:t>Migliardi</a:t>
+            </a:r>
+            <a:endParaRPr lang="it-IT" sz="1800" dirty="0">
+              <a:latin typeface="Times New Roman" panose="02020603050405020304" pitchFamily="18" charset="0"/>
+              <a:cs typeface="Times New Roman" panose="02020603050405020304" pitchFamily="18" charset="0"/>
+            </a:endParaRPr>
+          </a:p>
+          <a:p>
+            <a:pPr algn="ctr">
+              <a:lnSpc>
+                <a:spcPct val="150000"/>
+              </a:lnSpc>
+            </a:pPr>
+            <a:r>
+              <a:rPr lang="it-IT" dirty="0">
+                <a:latin typeface="Times New Roman" panose="02020603050405020304" pitchFamily="18" charset="0"/>
+                <a:cs typeface="Times New Roman" panose="02020603050405020304" pitchFamily="18" charset="0"/>
+              </a:rPr>
+              <a:t>Data di laurea: 20/09/2021</a:t>
+            </a:r>
+            <a:endParaRPr lang="it-IT" sz="1800" dirty="0">
+              <a:latin typeface="Times New Roman" panose="02020603050405020304" pitchFamily="18" charset="0"/>
+              <a:cs typeface="Times New Roman" panose="02020603050405020304" pitchFamily="18" charset="0"/>
+            </a:endParaRPr>
+          </a:p>
+          <a:p>
+            <a:pPr algn="ctr">
+              <a:lnSpc>
+                <a:spcPct val="150000"/>
+              </a:lnSpc>
+            </a:pPr>
+            <a:endParaRPr lang="it-IT" dirty="0"/>
+          </a:p>
+        </p:txBody>
+      </p:sp>
+      <p:pic>
+        <p:nvPicPr>
+          <p:cNvPr id="10" name="Immagine 9" descr="Immagine che contiene testo&#10;&#10;Descrizione generata automaticamente">
+            <a:extLst>
+              <a:ext uri="{FF2B5EF4-FFF2-40B4-BE49-F238E27FC236}">
+                <a16:creationId xmlns:a16="http://schemas.microsoft.com/office/drawing/2014/main" id="{28E2AD01-25EA-4EE1-85F3-01D8957BBD91}"/>
+              </a:ext>
+            </a:extLst>
+          </p:cNvPr>
+          <p:cNvPicPr>
+            <a:picLocks noChangeAspect="1"/>
+          </p:cNvPicPr>
+          <p:nvPr/>
+        </p:nvPicPr>
+        <p:blipFill>
+          <a:blip r:embed="rId2">
+            <a:extLst>
+              <a:ext uri="{28A0092B-C50C-407E-A947-70E740481C1C}">
+                <a14:useLocalDpi xmlns:a14="http://schemas.microsoft.com/office/drawing/2010/main" val="0"/>
+              </a:ext>
+            </a:extLst>
+          </a:blip>
+          <a:stretch>
+            <a:fillRect/>
+          </a:stretch>
+        </p:blipFill>
+        <p:spPr>
+          <a:xfrm>
+            <a:off x="396371" y="274896"/>
+            <a:ext cx="3981450" cy="1152525"/>
+          </a:xfrm>
+          <a:prstGeom prst="rect">
+            <a:avLst/>
+          </a:prstGeom>
+        </p:spPr>
+      </p:pic>
     </p:spTree>
     <p:extLst>
       <p:ext uri="{BB962C8B-B14F-4D97-AF65-F5344CB8AC3E}">
@@ -3483,7 +3664,7 @@
         </p:nvSpPr>
         <p:spPr>
           <a:xfrm>
-            <a:off x="186612" y="149290"/>
+            <a:off x="690813" y="439743"/>
             <a:ext cx="10515600" cy="862463"/>
           </a:xfrm>
         </p:spPr>
@@ -3496,7 +3677,7 @@
                 <a:latin typeface="Times New Roman" panose="02020603050405020304" pitchFamily="18" charset="0"/>
                 <a:cs typeface="Times New Roman" panose="02020603050405020304" pitchFamily="18" charset="0"/>
               </a:rPr>
-              <a:t>Comunicazione tra smartphone e tablet</a:t>
+              <a:t>Conclusioni</a:t>
             </a:r>
           </a:p>
         </p:txBody>
@@ -3506,7 +3687,7 @@
           <p:cNvPr id="4" name="Segnaposto contenuto 3">
             <a:extLst>
               <a:ext uri="{FF2B5EF4-FFF2-40B4-BE49-F238E27FC236}">
-                <a16:creationId xmlns:a16="http://schemas.microsoft.com/office/drawing/2014/main" id="{6A962631-6CEC-4D0A-83A3-14B4E465BB0E}"/>
+                <a16:creationId xmlns:a16="http://schemas.microsoft.com/office/drawing/2014/main" id="{F35D2BEF-CD70-4095-AA5A-4B4ADC5A5253}"/>
               </a:ext>
             </a:extLst>
           </p:cNvPr>
@@ -3517,181 +3698,67 @@
             <p:ph idx="1"/>
           </p:nvPr>
         </p:nvSpPr>
-        <p:spPr/>
-        <p:txBody>
-          <a:bodyPr/>
-          <a:lstStyle/>
+        <p:spPr>
+          <a:xfrm>
+            <a:off x="690813" y="1874982"/>
+            <a:ext cx="11804780" cy="5325058"/>
+          </a:xfrm>
+        </p:spPr>
+        <p:txBody>
+          <a:bodyPr/>
+          <a:lstStyle/>
+          <a:p>
+            <a:pPr>
+              <a:lnSpc>
+                <a:spcPct val="300000"/>
+              </a:lnSpc>
+            </a:pPr>
+            <a:r>
+              <a:rPr lang="it-IT" dirty="0">
+                <a:latin typeface="Times New Roman" panose="02020603050405020304" pitchFamily="18" charset="0"/>
+                <a:cs typeface="Times New Roman" panose="02020603050405020304" pitchFamily="18" charset="0"/>
+              </a:rPr>
+              <a:t>Scalabilità del servizio</a:t>
+            </a:r>
+          </a:p>
+          <a:p>
+            <a:pPr>
+              <a:lnSpc>
+                <a:spcPct val="300000"/>
+              </a:lnSpc>
+            </a:pPr>
+            <a:r>
+              <a:rPr lang="it-IT" dirty="0">
+                <a:latin typeface="Times New Roman" panose="02020603050405020304" pitchFamily="18" charset="0"/>
+                <a:cs typeface="Times New Roman" panose="02020603050405020304" pitchFamily="18" charset="0"/>
+              </a:rPr>
+              <a:t>Metodo di sviluppo</a:t>
+            </a:r>
+          </a:p>
+          <a:p>
+            <a:pPr>
+              <a:lnSpc>
+                <a:spcPct val="300000"/>
+              </a:lnSpc>
+            </a:pPr>
+            <a:r>
+              <a:rPr lang="it-IT" dirty="0">
+                <a:latin typeface="Times New Roman" panose="02020603050405020304" pitchFamily="18" charset="0"/>
+                <a:cs typeface="Times New Roman" panose="02020603050405020304" pitchFamily="18" charset="0"/>
+              </a:rPr>
+              <a:t>Nuove funzionalità</a:t>
+            </a:r>
+          </a:p>
           <a:p>
             <a:pPr>
               <a:lnSpc>
                 <a:spcPct val="200000"/>
               </a:lnSpc>
             </a:pPr>
-            <a:r>
-              <a:rPr lang="it-IT" dirty="0">
-                <a:latin typeface="Times New Roman" panose="02020603050405020304" pitchFamily="18" charset="0"/>
-                <a:cs typeface="Times New Roman" panose="02020603050405020304" pitchFamily="18" charset="0"/>
-              </a:rPr>
-              <a:t>Bluetooth</a:t>
-            </a:r>
-          </a:p>
-          <a:p>
-            <a:pPr>
-              <a:lnSpc>
-                <a:spcPct val="200000"/>
-              </a:lnSpc>
-            </a:pPr>
-            <a:r>
-              <a:rPr lang="it-IT" dirty="0" err="1">
-                <a:latin typeface="Times New Roman" panose="02020603050405020304" pitchFamily="18" charset="0"/>
-                <a:cs typeface="Times New Roman" panose="02020603050405020304" pitchFamily="18" charset="0"/>
-              </a:rPr>
-              <a:t>Ably</a:t>
-            </a:r>
             <a:endParaRPr lang="it-IT" dirty="0">
               <a:latin typeface="Times New Roman" panose="02020603050405020304" pitchFamily="18" charset="0"/>
               <a:cs typeface="Times New Roman" panose="02020603050405020304" pitchFamily="18" charset="0"/>
             </a:endParaRPr>
-          </a:p>
-        </p:txBody>
-      </p:sp>
-      <p:pic>
-        <p:nvPicPr>
-          <p:cNvPr id="7" name="Immagine 6">
-            <a:extLst>
-              <a:ext uri="{FF2B5EF4-FFF2-40B4-BE49-F238E27FC236}">
-                <a16:creationId xmlns:a16="http://schemas.microsoft.com/office/drawing/2014/main" id="{40CF9A76-FB65-470A-B9E4-491082145B50}"/>
-              </a:ext>
-            </a:extLst>
-          </p:cNvPr>
-          <p:cNvPicPr>
-            <a:picLocks noChangeAspect="1"/>
-          </p:cNvPicPr>
-          <p:nvPr/>
-        </p:nvPicPr>
-        <p:blipFill>
-          <a:blip r:embed="rId2"/>
-          <a:stretch>
-            <a:fillRect/>
-          </a:stretch>
-        </p:blipFill>
-        <p:spPr>
-          <a:xfrm>
-            <a:off x="1491762" y="2987290"/>
-            <a:ext cx="7517483" cy="3337503"/>
-          </a:xfrm>
-          <a:prstGeom prst="rect">
-            <a:avLst/>
-          </a:prstGeom>
-        </p:spPr>
-      </p:pic>
-    </p:spTree>
-    <p:extLst>
-      <p:ext uri="{BB962C8B-B14F-4D97-AF65-F5344CB8AC3E}">
-        <p14:creationId xmlns:p14="http://schemas.microsoft.com/office/powerpoint/2010/main" val="2843006644"/>
-      </p:ext>
-    </p:extLst>
-  </p:cSld>
-  <p:clrMapOvr>
-    <a:masterClrMapping/>
-  </p:clrMapOvr>
-</p:sld>
-</file>
-
-<file path=ppt/slides/slide11.xml><?xml version="1.0" encoding="utf-8"?>
-<p:sld xmlns:a="http://schemas.openxmlformats.org/drawingml/2006/main" xmlns:r="http://schemas.openxmlformats.org/officeDocument/2006/relationships" xmlns:p="http://schemas.openxmlformats.org/presentationml/2006/main">
-  <p:cSld>
-    <p:spTree>
-      <p:nvGrpSpPr>
-        <p:cNvPr id="1" name=""/>
-        <p:cNvGrpSpPr/>
-        <p:nvPr/>
-      </p:nvGrpSpPr>
-      <p:grpSpPr>
-        <a:xfrm>
-          <a:off x="0" y="0"/>
-          <a:ext cx="0" cy="0"/>
-          <a:chOff x="0" y="0"/>
-          <a:chExt cx="0" cy="0"/>
-        </a:xfrm>
-      </p:grpSpPr>
-      <p:sp>
-        <p:nvSpPr>
-          <p:cNvPr id="2" name="Titolo 1">
-            <a:extLst>
-              <a:ext uri="{FF2B5EF4-FFF2-40B4-BE49-F238E27FC236}">
-                <a16:creationId xmlns:a16="http://schemas.microsoft.com/office/drawing/2014/main" id="{80EE97EF-0626-4DB4-9B67-8CD77BB32541}"/>
-              </a:ext>
-            </a:extLst>
-          </p:cNvPr>
-          <p:cNvSpPr>
-            <a:spLocks noGrp="1"/>
-          </p:cNvSpPr>
-          <p:nvPr>
-            <p:ph type="title"/>
-          </p:nvPr>
-        </p:nvSpPr>
-        <p:spPr>
-          <a:xfrm>
-            <a:off x="186612" y="149290"/>
-            <a:ext cx="10515600" cy="862463"/>
-          </a:xfrm>
-        </p:spPr>
-        <p:txBody>
-          <a:bodyPr/>
-          <a:lstStyle/>
-          <a:p>
-            <a:r>
-              <a:rPr lang="it-IT" dirty="0">
-                <a:latin typeface="Times New Roman" panose="02020603050405020304" pitchFamily="18" charset="0"/>
-                <a:cs typeface="Times New Roman" panose="02020603050405020304" pitchFamily="18" charset="0"/>
-              </a:rPr>
-              <a:t>Conclusioni</a:t>
-            </a:r>
-          </a:p>
-        </p:txBody>
-      </p:sp>
-      <p:sp>
-        <p:nvSpPr>
-          <p:cNvPr id="4" name="Segnaposto contenuto 3">
-            <a:extLst>
-              <a:ext uri="{FF2B5EF4-FFF2-40B4-BE49-F238E27FC236}">
-                <a16:creationId xmlns:a16="http://schemas.microsoft.com/office/drawing/2014/main" id="{F35D2BEF-CD70-4095-AA5A-4B4ADC5A5253}"/>
-              </a:ext>
-            </a:extLst>
-          </p:cNvPr>
-          <p:cNvSpPr>
-            <a:spLocks noGrp="1"/>
-          </p:cNvSpPr>
-          <p:nvPr>
-            <p:ph idx="1"/>
-          </p:nvPr>
-        </p:nvSpPr>
-        <p:spPr/>
-        <p:txBody>
-          <a:bodyPr/>
-          <a:lstStyle/>
-          <a:p>
-            <a:pPr>
-              <a:lnSpc>
-                <a:spcPct val="200000"/>
-              </a:lnSpc>
-            </a:pPr>
-            <a:r>
-              <a:rPr lang="it-IT" dirty="0"/>
-              <a:t>Successo raggiunto</a:t>
-            </a:r>
-          </a:p>
-          <a:p>
-            <a:pPr>
-              <a:lnSpc>
-                <a:spcPct val="200000"/>
-              </a:lnSpc>
-            </a:pPr>
-            <a:r>
-              <a:rPr lang="it-IT" dirty="0"/>
-              <a:t>Sviluppi futuri</a:t>
-            </a:r>
           </a:p>
         </p:txBody>
       </p:sp>
@@ -3743,7 +3810,7 @@
         </p:nvSpPr>
         <p:spPr>
           <a:xfrm>
-            <a:off x="699796" y="1576873"/>
+            <a:off x="699796" y="1969979"/>
             <a:ext cx="8630816" cy="4388822"/>
           </a:xfrm>
         </p:spPr>
@@ -3753,7 +3820,7 @@
           <a:p>
             <a:pPr>
               <a:lnSpc>
-                <a:spcPct val="300000"/>
+                <a:spcPct val="150000"/>
               </a:lnSpc>
             </a:pPr>
             <a:r>
@@ -3767,7 +3834,7 @@
           <a:p>
             <a:pPr>
               <a:lnSpc>
-                <a:spcPct val="300000"/>
+                <a:spcPct val="150000"/>
               </a:lnSpc>
             </a:pPr>
             <a:r>
@@ -3781,7 +3848,7 @@
           <a:p>
             <a:pPr>
               <a:lnSpc>
-                <a:spcPct val="300000"/>
+                <a:spcPct val="150000"/>
               </a:lnSpc>
             </a:pPr>
             <a:r>
@@ -3790,6 +3857,31 @@
                 <a:cs typeface="Times New Roman" panose="02020603050405020304" pitchFamily="18" charset="0"/>
               </a:rPr>
               <a:t>Statistiche</a:t>
+            </a:r>
+          </a:p>
+          <a:p>
+            <a:pPr>
+              <a:lnSpc>
+                <a:spcPct val="150000"/>
+              </a:lnSpc>
+            </a:pPr>
+            <a:endParaRPr lang="it-IT" dirty="0">
+              <a:latin typeface="Times New Roman" panose="02020603050405020304" pitchFamily="18" charset="0"/>
+              <a:cs typeface="Times New Roman" panose="02020603050405020304" pitchFamily="18" charset="0"/>
+            </a:endParaRPr>
+          </a:p>
+          <a:p>
+            <a:pPr>
+              <a:lnSpc>
+                <a:spcPct val="150000"/>
+              </a:lnSpc>
+            </a:pPr>
+            <a:r>
+              <a:rPr lang="it-IT" dirty="0">
+                <a:latin typeface="Times New Roman" panose="02020603050405020304" pitchFamily="18" charset="0"/>
+                <a:cs typeface="Times New Roman" panose="02020603050405020304" pitchFamily="18" charset="0"/>
+              </a:rPr>
+              <a:t>Scopo della tesi</a:t>
             </a:r>
           </a:p>
         </p:txBody>
@@ -3818,6 +3910,42 @@
           <a:xfrm>
             <a:off x="699796" y="594535"/>
             <a:ext cx="3603172" cy="917024"/>
+          </a:xfrm>
+          <a:prstGeom prst="rect">
+            <a:avLst/>
+          </a:prstGeom>
+        </p:spPr>
+      </p:pic>
+      <p:pic>
+        <p:nvPicPr>
+          <p:cNvPr id="4" name="Immagine 3" descr="Immagine che contiene testo, persona, arancia, mano&#10;&#10;Descrizione generata automaticamente">
+            <a:extLst>
+              <a:ext uri="{FF2B5EF4-FFF2-40B4-BE49-F238E27FC236}">
+                <a16:creationId xmlns:a16="http://schemas.microsoft.com/office/drawing/2014/main" id="{FD1FEBE9-86A4-40A0-9C3D-2EA1F908E935}"/>
+              </a:ext>
+            </a:extLst>
+          </p:cNvPr>
+          <p:cNvPicPr>
+            <a:picLocks noChangeAspect="1"/>
+          </p:cNvPicPr>
+          <p:nvPr/>
+        </p:nvPicPr>
+        <p:blipFill>
+          <a:blip r:embed="rId3">
+            <a:extLst>
+              <a:ext uri="{28A0092B-C50C-407E-A947-70E740481C1C}">
+                <a14:useLocalDpi xmlns:a14="http://schemas.microsoft.com/office/drawing/2010/main" val="0"/>
+              </a:ext>
+            </a:extLst>
+          </a:blip>
+          <a:stretch>
+            <a:fillRect/>
+          </a:stretch>
+        </p:blipFill>
+        <p:spPr>
+          <a:xfrm>
+            <a:off x="7539513" y="3009705"/>
+            <a:ext cx="2686050" cy="2686050"/>
           </a:xfrm>
           <a:prstGeom prst="rect">
             <a:avLst/>
@@ -3870,7 +3998,12 @@
             <p:ph type="title"/>
           </p:nvPr>
         </p:nvSpPr>
-        <p:spPr/>
+        <p:spPr>
+          <a:xfrm>
+            <a:off x="520959" y="407113"/>
+            <a:ext cx="10515600" cy="899173"/>
+          </a:xfrm>
+        </p:spPr>
         <p:txBody>
           <a:bodyPr/>
           <a:lstStyle/>
@@ -3880,7 +4013,7 @@
                 <a:latin typeface="Times New Roman" panose="02020603050405020304" pitchFamily="18" charset="0"/>
                 <a:cs typeface="Times New Roman" panose="02020603050405020304" pitchFamily="18" charset="0"/>
               </a:rPr>
-              <a:t>Scopo della tesi</a:t>
+              <a:t>Analisi dei requisiti</a:t>
             </a:r>
           </a:p>
         </p:txBody>
@@ -3901,15 +4034,56 @@
             <p:ph idx="1"/>
           </p:nvPr>
         </p:nvSpPr>
-        <p:spPr/>
-        <p:txBody>
-          <a:bodyPr/>
-          <a:lstStyle/>
-          <a:p>
-            <a:endParaRPr lang="it-IT" dirty="0">
-              <a:latin typeface="Times New Roman" panose="02020603050405020304" pitchFamily="18" charset="0"/>
-              <a:cs typeface="Times New Roman" panose="02020603050405020304" pitchFamily="18" charset="0"/>
-            </a:endParaRPr>
+        <p:spPr>
+          <a:xfrm>
+            <a:off x="649169" y="1396417"/>
+            <a:ext cx="11804780" cy="5325058"/>
+          </a:xfrm>
+        </p:spPr>
+        <p:txBody>
+          <a:bodyPr/>
+          <a:lstStyle/>
+          <a:p>
+            <a:pPr>
+              <a:lnSpc>
+                <a:spcPct val="300000"/>
+              </a:lnSpc>
+            </a:pPr>
+            <a:r>
+              <a:rPr lang="it-IT" dirty="0">
+                <a:latin typeface="Times New Roman" panose="02020603050405020304" pitchFamily="18" charset="0"/>
+                <a:cs typeface="Times New Roman" panose="02020603050405020304" pitchFamily="18" charset="0"/>
+              </a:rPr>
+              <a:t>Obiettivi del servizio</a:t>
+            </a:r>
+          </a:p>
+          <a:p>
+            <a:pPr>
+              <a:lnSpc>
+                <a:spcPct val="300000"/>
+              </a:lnSpc>
+            </a:pPr>
+            <a:r>
+              <a:rPr lang="it-IT" dirty="0">
+                <a:latin typeface="Times New Roman" panose="02020603050405020304" pitchFamily="18" charset="0"/>
+                <a:cs typeface="Times New Roman" panose="02020603050405020304" pitchFamily="18" charset="0"/>
+              </a:rPr>
+              <a:t>Dispositivi impiegati (tablet e smartphone)</a:t>
+            </a:r>
+          </a:p>
+          <a:p>
+            <a:pPr>
+              <a:lnSpc>
+                <a:spcPct val="300000"/>
+              </a:lnSpc>
+            </a:pPr>
+            <a:r>
+              <a:rPr lang="it-IT" dirty="0">
+                <a:latin typeface="Times New Roman" panose="02020603050405020304" pitchFamily="18" charset="0"/>
+                <a:cs typeface="Times New Roman" panose="02020603050405020304" pitchFamily="18" charset="0"/>
+              </a:rPr>
+              <a:t>Validazione dei requisiti</a:t>
+            </a:r>
           </a:p>
         </p:txBody>
       </p:sp>
@@ -3959,38 +4133,12 @@
             <p:ph type="title"/>
           </p:nvPr>
         </p:nvSpPr>
-        <p:spPr/>
-        <p:txBody>
-          <a:bodyPr/>
-          <a:lstStyle/>
-          <a:p>
-            <a:r>
-              <a:rPr lang="it-IT" dirty="0">
-                <a:latin typeface="Times New Roman" panose="02020603050405020304" pitchFamily="18" charset="0"/>
-                <a:cs typeface="Times New Roman" panose="02020603050405020304" pitchFamily="18" charset="0"/>
-              </a:rPr>
-              <a:t>Analisi dei requisiti</a:t>
-            </a:r>
-          </a:p>
-        </p:txBody>
-      </p:sp>
-      <p:sp>
-        <p:nvSpPr>
-          <p:cNvPr id="3" name="Segnaposto contenuto 2">
-            <a:extLst>
-              <a:ext uri="{FF2B5EF4-FFF2-40B4-BE49-F238E27FC236}">
-                <a16:creationId xmlns:a16="http://schemas.microsoft.com/office/drawing/2014/main" id="{BECD9326-1BFB-41CB-9F5C-E89882D963BD}"/>
-              </a:ext>
-            </a:extLst>
-          </p:cNvPr>
-          <p:cNvSpPr>
-            <a:spLocks noGrp="1"/>
-          </p:cNvSpPr>
-          <p:nvPr>
-            <p:ph idx="1"/>
-          </p:nvPr>
-        </p:nvSpPr>
-        <p:spPr/>
+        <p:spPr>
+          <a:xfrm>
+            <a:off x="534650" y="230528"/>
+            <a:ext cx="10515600" cy="899173"/>
+          </a:xfrm>
+        </p:spPr>
         <p:txBody>
           <a:bodyPr/>
           <a:lstStyle/>
@@ -4002,12 +4150,6 @@
               </a:rPr>
               <a:t>Caso d’uso diretto</a:t>
             </a:r>
-          </a:p>
-          <a:p>
-            <a:endParaRPr lang="it-IT" dirty="0">
-              <a:latin typeface="Times New Roman" panose="02020603050405020304" pitchFamily="18" charset="0"/>
-              <a:cs typeface="Times New Roman" panose="02020603050405020304" pitchFamily="18" charset="0"/>
-            </a:endParaRPr>
           </a:p>
         </p:txBody>
       </p:sp>
@@ -4039,8 +4181,68 @@
         </p:blipFill>
         <p:spPr>
           <a:xfrm>
-            <a:off x="3917482" y="1383838"/>
+            <a:off x="175726" y="1258079"/>
             <a:ext cx="8056346" cy="5463396"/>
+          </a:xfrm>
+          <a:prstGeom prst="rect">
+            <a:avLst/>
+          </a:prstGeom>
+        </p:spPr>
+      </p:pic>
+      <p:pic>
+        <p:nvPicPr>
+          <p:cNvPr id="5" name="Immagine 4">
+            <a:extLst>
+              <a:ext uri="{FF2B5EF4-FFF2-40B4-BE49-F238E27FC236}">
+                <a16:creationId xmlns:a16="http://schemas.microsoft.com/office/drawing/2014/main" id="{FA052CCE-28B6-42DF-A839-D51301C2FA8C}"/>
+              </a:ext>
+            </a:extLst>
+          </p:cNvPr>
+          <p:cNvPicPr>
+            <a:picLocks noChangeAspect="1"/>
+          </p:cNvPicPr>
+          <p:nvPr/>
+        </p:nvPicPr>
+        <p:blipFill>
+          <a:blip r:embed="rId3"/>
+          <a:stretch>
+            <a:fillRect/>
+          </a:stretch>
+        </p:blipFill>
+        <p:spPr>
+          <a:xfrm>
+            <a:off x="8232072" y="680114"/>
+            <a:ext cx="3589210" cy="2231450"/>
+          </a:xfrm>
+          <a:prstGeom prst="rect">
+            <a:avLst/>
+          </a:prstGeom>
+        </p:spPr>
+      </p:pic>
+      <p:pic>
+        <p:nvPicPr>
+          <p:cNvPr id="8" name="Immagine 7">
+            <a:extLst>
+              <a:ext uri="{FF2B5EF4-FFF2-40B4-BE49-F238E27FC236}">
+                <a16:creationId xmlns:a16="http://schemas.microsoft.com/office/drawing/2014/main" id="{A8563722-6278-4C69-B415-137000D0814C}"/>
+              </a:ext>
+            </a:extLst>
+          </p:cNvPr>
+          <p:cNvPicPr>
+            <a:picLocks noChangeAspect="1"/>
+          </p:cNvPicPr>
+          <p:nvPr/>
+        </p:nvPicPr>
+        <p:blipFill>
+          <a:blip r:embed="rId4"/>
+          <a:stretch>
+            <a:fillRect/>
+          </a:stretch>
+        </p:blipFill>
+        <p:spPr>
+          <a:xfrm>
+            <a:off x="9119657" y="3027727"/>
+            <a:ext cx="2039755" cy="3626231"/>
           </a:xfrm>
           <a:prstGeom prst="rect">
             <a:avLst/>
@@ -4093,38 +4295,12 @@
             <p:ph type="title"/>
           </p:nvPr>
         </p:nvSpPr>
-        <p:spPr/>
-        <p:txBody>
-          <a:bodyPr/>
-          <a:lstStyle/>
-          <a:p>
-            <a:r>
-              <a:rPr lang="it-IT" dirty="0">
-                <a:latin typeface="Times New Roman" panose="02020603050405020304" pitchFamily="18" charset="0"/>
-                <a:cs typeface="Times New Roman" panose="02020603050405020304" pitchFamily="18" charset="0"/>
-              </a:rPr>
-              <a:t>Analisi dei requisiti</a:t>
-            </a:r>
-          </a:p>
-        </p:txBody>
-      </p:sp>
-      <p:sp>
-        <p:nvSpPr>
-          <p:cNvPr id="3" name="Segnaposto contenuto 2">
-            <a:extLst>
-              <a:ext uri="{FF2B5EF4-FFF2-40B4-BE49-F238E27FC236}">
-                <a16:creationId xmlns:a16="http://schemas.microsoft.com/office/drawing/2014/main" id="{BECD9326-1BFB-41CB-9F5C-E89882D963BD}"/>
-              </a:ext>
-            </a:extLst>
-          </p:cNvPr>
-          <p:cNvSpPr>
-            <a:spLocks noGrp="1"/>
-          </p:cNvSpPr>
-          <p:nvPr>
-            <p:ph idx="1"/>
-          </p:nvPr>
-        </p:nvSpPr>
-        <p:spPr/>
+        <p:spPr>
+          <a:xfrm>
+            <a:off x="526104" y="284544"/>
+            <a:ext cx="10515600" cy="899173"/>
+          </a:xfrm>
+        </p:spPr>
         <p:txBody>
           <a:bodyPr/>
           <a:lstStyle/>
@@ -4136,12 +4312,6 @@
               </a:rPr>
               <a:t>Caso d’uso indiretto</a:t>
             </a:r>
-          </a:p>
-          <a:p>
-            <a:endParaRPr lang="it-IT" dirty="0">
-              <a:latin typeface="Times New Roman" panose="02020603050405020304" pitchFamily="18" charset="0"/>
-              <a:cs typeface="Times New Roman" panose="02020603050405020304" pitchFamily="18" charset="0"/>
-            </a:endParaRPr>
           </a:p>
         </p:txBody>
       </p:sp>
@@ -4173,8 +4343,68 @@
         </p:blipFill>
         <p:spPr>
           <a:xfrm>
-            <a:off x="5175195" y="1510905"/>
+            <a:off x="526104" y="1673276"/>
             <a:ext cx="6367437" cy="4980778"/>
+          </a:xfrm>
+          <a:prstGeom prst="rect">
+            <a:avLst/>
+          </a:prstGeom>
+        </p:spPr>
+      </p:pic>
+      <p:pic>
+        <p:nvPicPr>
+          <p:cNvPr id="8" name="Immagine 7">
+            <a:extLst>
+              <a:ext uri="{FF2B5EF4-FFF2-40B4-BE49-F238E27FC236}">
+                <a16:creationId xmlns:a16="http://schemas.microsoft.com/office/drawing/2014/main" id="{8D950EB3-8FB4-491A-B7CB-2D6B602DE928}"/>
+              </a:ext>
+            </a:extLst>
+          </p:cNvPr>
+          <p:cNvPicPr>
+            <a:picLocks noChangeAspect="1"/>
+          </p:cNvPicPr>
+          <p:nvPr/>
+        </p:nvPicPr>
+        <p:blipFill>
+          <a:blip r:embed="rId3"/>
+          <a:stretch>
+            <a:fillRect/>
+          </a:stretch>
+        </p:blipFill>
+        <p:spPr>
+          <a:xfrm>
+            <a:off x="7209530" y="1920970"/>
+            <a:ext cx="2008768" cy="4485389"/>
+          </a:xfrm>
+          <a:prstGeom prst="rect">
+            <a:avLst/>
+          </a:prstGeom>
+        </p:spPr>
+      </p:pic>
+      <p:pic>
+        <p:nvPicPr>
+          <p:cNvPr id="10" name="Immagine 9">
+            <a:extLst>
+              <a:ext uri="{FF2B5EF4-FFF2-40B4-BE49-F238E27FC236}">
+                <a16:creationId xmlns:a16="http://schemas.microsoft.com/office/drawing/2014/main" id="{E2B13992-D07B-444D-8B61-08C4A82A3F83}"/>
+              </a:ext>
+            </a:extLst>
+          </p:cNvPr>
+          <p:cNvPicPr>
+            <a:picLocks noChangeAspect="1"/>
+          </p:cNvPicPr>
+          <p:nvPr/>
+        </p:nvPicPr>
+        <p:blipFill>
+          <a:blip r:embed="rId4"/>
+          <a:stretch>
+            <a:fillRect/>
+          </a:stretch>
+        </p:blipFill>
+        <p:spPr>
+          <a:xfrm>
+            <a:off x="9632301" y="1920970"/>
+            <a:ext cx="2033595" cy="4485389"/>
           </a:xfrm>
           <a:prstGeom prst="rect">
             <a:avLst/>
@@ -4229,7 +4459,7 @@
         </p:nvSpPr>
         <p:spPr>
           <a:xfrm>
-            <a:off x="186612" y="149290"/>
+            <a:off x="494260" y="268931"/>
             <a:ext cx="10515600" cy="862463"/>
           </a:xfrm>
         </p:spPr>
@@ -4277,8 +4507,8 @@
         </p:blipFill>
         <p:spPr>
           <a:xfrm>
-            <a:off x="2554420" y="862463"/>
-            <a:ext cx="6838658" cy="5995537"/>
+            <a:off x="2554420" y="1260646"/>
+            <a:ext cx="6384481" cy="5597354"/>
           </a:xfrm>
         </p:spPr>
       </p:pic>
@@ -4317,7 +4547,7 @@
           <p:cNvPr id="2" name="Titolo 1">
             <a:extLst>
               <a:ext uri="{FF2B5EF4-FFF2-40B4-BE49-F238E27FC236}">
-                <a16:creationId xmlns:a16="http://schemas.microsoft.com/office/drawing/2014/main" id="{11AA9FD3-1B94-49B5-80DE-BF5F1976BBAB}"/>
+                <a16:creationId xmlns:a16="http://schemas.microsoft.com/office/drawing/2014/main" id="{80EE97EF-0626-4DB4-9B67-8CD77BB32541}"/>
               </a:ext>
             </a:extLst>
           </p:cNvPr>
@@ -4328,7 +4558,12 @@
             <p:ph type="title"/>
           </p:nvPr>
         </p:nvSpPr>
-        <p:spPr/>
+        <p:spPr>
+          <a:xfrm>
+            <a:off x="588264" y="401078"/>
+            <a:ext cx="10515600" cy="862463"/>
+          </a:xfrm>
+        </p:spPr>
         <p:txBody>
           <a:bodyPr/>
           <a:lstStyle/>
@@ -4338,17 +4573,17 @@
                 <a:latin typeface="Times New Roman" panose="02020603050405020304" pitchFamily="18" charset="0"/>
                 <a:cs typeface="Times New Roman" panose="02020603050405020304" pitchFamily="18" charset="0"/>
               </a:rPr>
-              <a:t>Realizzazione delle app</a:t>
-            </a:r>
-          </a:p>
-        </p:txBody>
-      </p:sp>
-      <p:sp>
-        <p:nvSpPr>
-          <p:cNvPr id="3" name="Segnaposto contenuto 2">
-            <a:extLst>
-              <a:ext uri="{FF2B5EF4-FFF2-40B4-BE49-F238E27FC236}">
-                <a16:creationId xmlns:a16="http://schemas.microsoft.com/office/drawing/2014/main" id="{8CCC44BE-6120-499C-A475-7F01FBA45E11}"/>
+              <a:t>Comunicazione tra smartphone e tablet</a:t>
+            </a:r>
+          </a:p>
+        </p:txBody>
+      </p:sp>
+      <p:sp>
+        <p:nvSpPr>
+          <p:cNvPr id="4" name="Segnaposto contenuto 3">
+            <a:extLst>
+              <a:ext uri="{FF2B5EF4-FFF2-40B4-BE49-F238E27FC236}">
+                <a16:creationId xmlns:a16="http://schemas.microsoft.com/office/drawing/2014/main" id="{6A962631-6CEC-4D0A-83A3-14B4E465BB0E}"/>
               </a:ext>
             </a:extLst>
           </p:cNvPr>
@@ -4359,11 +4594,14 @@
             <p:ph idx="1"/>
           </p:nvPr>
         </p:nvSpPr>
-        <p:spPr/>
-        <p:txBody>
-          <a:bodyPr>
-            <a:normAutofit/>
-          </a:bodyPr>
+        <p:spPr>
+          <a:xfrm>
+            <a:off x="733879" y="1694409"/>
+            <a:ext cx="11804780" cy="5325058"/>
+          </a:xfrm>
+        </p:spPr>
+        <p:txBody>
+          <a:bodyPr/>
           <a:lstStyle/>
           <a:p>
             <a:pPr>
@@ -4372,8 +4610,11 @@
               </a:lnSpc>
             </a:pPr>
             <a:r>
-              <a:rPr lang="it-IT" dirty="0"/>
-              <a:t>Sviluppo in Android e iOS nativi</a:t>
+              <a:rPr lang="it-IT" dirty="0">
+                <a:latin typeface="Times New Roman" panose="02020603050405020304" pitchFamily="18" charset="0"/>
+                <a:cs typeface="Times New Roman" panose="02020603050405020304" pitchFamily="18" charset="0"/>
+              </a:rPr>
+              <a:t>Bluetooth</a:t>
             </a:r>
           </a:p>
           <a:p>
@@ -4383,27 +4624,53 @@
               </a:lnSpc>
             </a:pPr>
             <a:r>
-              <a:rPr lang="it-IT" dirty="0"/>
-              <a:t>1 App per i clienti</a:t>
-            </a:r>
-          </a:p>
-          <a:p>
-            <a:pPr>
-              <a:lnSpc>
-                <a:spcPct val="300000"/>
-              </a:lnSpc>
-            </a:pPr>
-            <a:r>
-              <a:rPr lang="it-IT" dirty="0"/>
-              <a:t>2 App per le attività commerciali</a:t>
-            </a:r>
-          </a:p>
-        </p:txBody>
-      </p:sp>
+              <a:rPr lang="it-IT" dirty="0" err="1">
+                <a:latin typeface="Times New Roman" panose="02020603050405020304" pitchFamily="18" charset="0"/>
+                <a:cs typeface="Times New Roman" panose="02020603050405020304" pitchFamily="18" charset="0"/>
+              </a:rPr>
+              <a:t>Ably</a:t>
+            </a:r>
+            <a:endParaRPr lang="it-IT" dirty="0">
+              <a:latin typeface="Times New Roman" panose="02020603050405020304" pitchFamily="18" charset="0"/>
+              <a:cs typeface="Times New Roman" panose="02020603050405020304" pitchFamily="18" charset="0"/>
+            </a:endParaRPr>
+          </a:p>
+        </p:txBody>
+      </p:sp>
+      <p:pic>
+        <p:nvPicPr>
+          <p:cNvPr id="7" name="Immagine 6">
+            <a:extLst>
+              <a:ext uri="{FF2B5EF4-FFF2-40B4-BE49-F238E27FC236}">
+                <a16:creationId xmlns:a16="http://schemas.microsoft.com/office/drawing/2014/main" id="{40CF9A76-FB65-470A-B9E4-491082145B50}"/>
+              </a:ext>
+            </a:extLst>
+          </p:cNvPr>
+          <p:cNvPicPr>
+            <a:picLocks noChangeAspect="1"/>
+          </p:cNvPicPr>
+          <p:nvPr/>
+        </p:nvPicPr>
+        <p:blipFill>
+          <a:blip r:embed="rId2"/>
+          <a:stretch>
+            <a:fillRect/>
+          </a:stretch>
+        </p:blipFill>
+        <p:spPr>
+          <a:xfrm>
+            <a:off x="3517116" y="2688186"/>
+            <a:ext cx="7517483" cy="3337503"/>
+          </a:xfrm>
+          <a:prstGeom prst="rect">
+            <a:avLst/>
+          </a:prstGeom>
+        </p:spPr>
+      </p:pic>
     </p:spTree>
     <p:extLst>
       <p:ext uri="{BB962C8B-B14F-4D97-AF65-F5344CB8AC3E}">
-        <p14:creationId xmlns:p14="http://schemas.microsoft.com/office/powerpoint/2010/main" val="1801539012"/>
+        <p14:creationId xmlns:p14="http://schemas.microsoft.com/office/powerpoint/2010/main" val="2843006644"/>
       </p:ext>
     </p:extLst>
   </p:cSld>
@@ -4446,7 +4713,12 @@
             <p:ph type="title"/>
           </p:nvPr>
         </p:nvSpPr>
-        <p:spPr/>
+        <p:spPr>
+          <a:xfrm>
+            <a:off x="679927" y="334667"/>
+            <a:ext cx="10515600" cy="899173"/>
+          </a:xfrm>
+        </p:spPr>
         <p:txBody>
           <a:bodyPr/>
           <a:lstStyle/>
@@ -4456,17 +4728,77 @@
                 <a:latin typeface="Times New Roman" panose="02020603050405020304" pitchFamily="18" charset="0"/>
                 <a:cs typeface="Times New Roman" panose="02020603050405020304" pitchFamily="18" charset="0"/>
               </a:rPr>
-              <a:t>App per i clienti</a:t>
-            </a:r>
+              <a:t>Aggiornamento remoto delle app (1)</a:t>
+            </a:r>
+          </a:p>
+        </p:txBody>
+      </p:sp>
+      <p:sp>
+        <p:nvSpPr>
+          <p:cNvPr id="7" name="AutoShape 3">
+            <a:extLst>
+              <a:ext uri="{FF2B5EF4-FFF2-40B4-BE49-F238E27FC236}">
+                <a16:creationId xmlns:a16="http://schemas.microsoft.com/office/drawing/2014/main" id="{A0AD01A2-F99F-4BD7-9130-C78DEA7C8C77}"/>
+              </a:ext>
+            </a:extLst>
+          </p:cNvPr>
+          <p:cNvSpPr>
+            <a:spLocks noChangeAspect="1" noChangeArrowheads="1" noTextEdit="1"/>
+          </p:cNvSpPr>
+          <p:nvPr/>
+        </p:nvSpPr>
+        <p:spPr bwMode="auto">
+          <a:xfrm>
+            <a:off x="128588" y="1665288"/>
+            <a:ext cx="10858500" cy="4737100"/>
+          </a:xfrm>
+          <a:prstGeom prst="rect">
+            <a:avLst/>
+          </a:prstGeom>
+          <a:solidFill>
+            <a:schemeClr val="bg1"/>
+          </a:solidFill>
+          <a:ln>
+            <a:noFill/>
+          </a:ln>
+          <a:extLst>
+            <a:ext uri="{909E8E84-426E-40DD-AFC4-6F175D3DCCD1}">
+              <a14:hiddenFill xmlns:a14="http://schemas.microsoft.com/office/drawing/2010/main">
+                <a:solidFill>
+                  <a:srgbClr val="FFFFFF"/>
+                </a:solidFill>
+              </a14:hiddenFill>
+            </a:ext>
+            <a:ext uri="{91240B29-F687-4F45-9708-019B960494DF}">
+              <a14:hiddenLine xmlns:a14="http://schemas.microsoft.com/office/drawing/2010/main" w="9525">
+                <a:solidFill>
+                  <a:srgbClr val="000000"/>
+                </a:solidFill>
+                <a:miter lim="800000"/>
+                <a:headEnd/>
+                <a:tailEnd/>
+              </a14:hiddenLine>
+            </a:ext>
+          </a:extLst>
+        </p:spPr>
+        <p:txBody>
+          <a:bodyPr vert="horz" wrap="square" lIns="91440" tIns="45720" rIns="91440" bIns="45720" numCol="1" anchor="t" anchorCtr="0" compatLnSpc="1">
+            <a:prstTxWarp prst="textNoShape">
+              <a:avLst/>
+            </a:prstTxWarp>
+          </a:bodyPr>
+          <a:lstStyle/>
+          <a:p>
+            <a:endParaRPr lang="it-IT"/>
           </a:p>
         </p:txBody>
       </p:sp>
       <p:pic>
         <p:nvPicPr>
-          <p:cNvPr id="5" name="Immagine 4">
-            <a:extLst>
-              <a:ext uri="{FF2B5EF4-FFF2-40B4-BE49-F238E27FC236}">
-                <a16:creationId xmlns:a16="http://schemas.microsoft.com/office/drawing/2014/main" id="{A5517088-BF94-4CC5-B08F-061BFB998588}"/>
+          <p:cNvPr id="9" name="Immagine 8">
+            <a:extLst>
+              <a:ext uri="{FF2B5EF4-FFF2-40B4-BE49-F238E27FC236}">
+                <a16:creationId xmlns:a16="http://schemas.microsoft.com/office/drawing/2014/main" id="{F0818208-B359-456A-9E31-BB0230E43AC2}"/>
               </a:ext>
             </a:extLst>
           </p:cNvPr>
@@ -4476,75 +4808,21 @@
           <p:nvPr/>
         </p:nvPicPr>
         <p:blipFill>
-          <a:blip r:embed="rId2"/>
+          <a:blip r:embed="rId2">
+            <a:extLst>
+              <a:ext uri="{28A0092B-C50C-407E-A947-70E740481C1C}">
+                <a14:useLocalDpi xmlns:a14="http://schemas.microsoft.com/office/drawing/2010/main" val="0"/>
+              </a:ext>
+            </a:extLst>
+          </a:blip>
           <a:stretch>
             <a:fillRect/>
           </a:stretch>
         </p:blipFill>
         <p:spPr>
           <a:xfrm>
-            <a:off x="789010" y="1304527"/>
-            <a:ext cx="2384811" cy="5325059"/>
-          </a:xfrm>
-          <a:prstGeom prst="rect">
-            <a:avLst/>
-          </a:prstGeom>
-        </p:spPr>
-      </p:pic>
-      <p:pic>
-        <p:nvPicPr>
-          <p:cNvPr id="7" name="Immagine 6">
-            <a:extLst>
-              <a:ext uri="{FF2B5EF4-FFF2-40B4-BE49-F238E27FC236}">
-                <a16:creationId xmlns:a16="http://schemas.microsoft.com/office/drawing/2014/main" id="{C43C44A4-7D80-40EB-8438-C6EB06E9907E}"/>
-              </a:ext>
-            </a:extLst>
-          </p:cNvPr>
-          <p:cNvPicPr>
-            <a:picLocks noChangeAspect="1"/>
-          </p:cNvPicPr>
-          <p:nvPr/>
-        </p:nvPicPr>
-        <p:blipFill>
-          <a:blip r:embed="rId3"/>
-          <a:stretch>
-            <a:fillRect/>
-          </a:stretch>
-        </p:blipFill>
-        <p:spPr>
-          <a:xfrm>
-            <a:off x="4796948" y="1304527"/>
-            <a:ext cx="2420943" cy="5325059"/>
-          </a:xfrm>
-          <a:prstGeom prst="rect">
-            <a:avLst/>
-          </a:prstGeom>
-        </p:spPr>
-      </p:pic>
-      <p:pic>
-        <p:nvPicPr>
-          <p:cNvPr id="9" name="Immagine 8">
-            <a:extLst>
-              <a:ext uri="{FF2B5EF4-FFF2-40B4-BE49-F238E27FC236}">
-                <a16:creationId xmlns:a16="http://schemas.microsoft.com/office/drawing/2014/main" id="{8B935BE0-F675-4C65-ACC8-E7EA39ADECF0}"/>
-              </a:ext>
-            </a:extLst>
-          </p:cNvPr>
-          <p:cNvPicPr>
-            <a:picLocks noChangeAspect="1"/>
-          </p:cNvPicPr>
-          <p:nvPr/>
-        </p:nvPicPr>
-        <p:blipFill>
-          <a:blip r:embed="rId4"/>
-          <a:stretch>
-            <a:fillRect/>
-          </a:stretch>
-        </p:blipFill>
-        <p:spPr>
-          <a:xfrm>
-            <a:off x="8841018" y="1289844"/>
-            <a:ext cx="2420943" cy="5339742"/>
+            <a:off x="1680497" y="2106597"/>
+            <a:ext cx="8831006" cy="3854481"/>
           </a:xfrm>
           <a:prstGeom prst="rect">
             <a:avLst/>
@@ -4554,7 +4832,7 @@
     </p:spTree>
     <p:extLst>
       <p:ext uri="{BB962C8B-B14F-4D97-AF65-F5344CB8AC3E}">
-        <p14:creationId xmlns:p14="http://schemas.microsoft.com/office/powerpoint/2010/main" val="2204752428"/>
+        <p14:creationId xmlns:p14="http://schemas.microsoft.com/office/powerpoint/2010/main" val="1801539012"/>
       </p:ext>
     </p:extLst>
   </p:cSld>
@@ -4586,7 +4864,7 @@
           <p:cNvPr id="2" name="Titolo 1">
             <a:extLst>
               <a:ext uri="{FF2B5EF4-FFF2-40B4-BE49-F238E27FC236}">
-                <a16:creationId xmlns:a16="http://schemas.microsoft.com/office/drawing/2014/main" id="{11AA9FD3-1B94-49B5-80DE-BF5F1976BBAB}"/>
+                <a16:creationId xmlns:a16="http://schemas.microsoft.com/office/drawing/2014/main" id="{B44B3D24-BC37-4724-8EBA-45C21FF8837C}"/>
               </a:ext>
             </a:extLst>
           </p:cNvPr>
@@ -4597,7 +4875,12 @@
             <p:ph type="title"/>
           </p:nvPr>
         </p:nvSpPr>
-        <p:spPr/>
+        <p:spPr>
+          <a:xfrm>
+            <a:off x="688474" y="238292"/>
+            <a:ext cx="10515600" cy="899173"/>
+          </a:xfrm>
+        </p:spPr>
         <p:txBody>
           <a:bodyPr/>
           <a:lstStyle/>
@@ -4607,17 +4890,18 @@
                 <a:latin typeface="Times New Roman" panose="02020603050405020304" pitchFamily="18" charset="0"/>
                 <a:cs typeface="Times New Roman" panose="02020603050405020304" pitchFamily="18" charset="0"/>
               </a:rPr>
-              <a:t>App per le attività commerciali</a:t>
-            </a:r>
+              <a:t>Aggiornamento remoto delle app (2)</a:t>
+            </a:r>
+            <a:endParaRPr lang="it-IT" dirty="0"/>
           </a:p>
         </p:txBody>
       </p:sp>
       <p:pic>
         <p:nvPicPr>
-          <p:cNvPr id="5" name="Immagine 4">
-            <a:extLst>
-              <a:ext uri="{FF2B5EF4-FFF2-40B4-BE49-F238E27FC236}">
-                <a16:creationId xmlns:a16="http://schemas.microsoft.com/office/drawing/2014/main" id="{4C3C6C6D-F67D-46D1-9EAB-20E076E70F6A}"/>
+          <p:cNvPr id="4" name="Immagine 3">
+            <a:extLst>
+              <a:ext uri="{FF2B5EF4-FFF2-40B4-BE49-F238E27FC236}">
+                <a16:creationId xmlns:a16="http://schemas.microsoft.com/office/drawing/2014/main" id="{6222FAE7-8822-43BC-8FD6-E0E05EBD6BCC}"/>
               </a:ext>
             </a:extLst>
           </p:cNvPr>
@@ -4627,75 +4911,21 @@
           <p:nvPr/>
         </p:nvPicPr>
         <p:blipFill>
-          <a:blip r:embed="rId2"/>
+          <a:blip r:embed="rId2">
+            <a:extLst>
+              <a:ext uri="{28A0092B-C50C-407E-A947-70E740481C1C}">
+                <a14:useLocalDpi xmlns:a14="http://schemas.microsoft.com/office/drawing/2010/main" val="0"/>
+              </a:ext>
+            </a:extLst>
+          </a:blip>
           <a:stretch>
             <a:fillRect/>
           </a:stretch>
         </p:blipFill>
         <p:spPr>
           <a:xfrm>
-            <a:off x="1467918" y="1394793"/>
-            <a:ext cx="3794861" cy="2310183"/>
-          </a:xfrm>
-          <a:prstGeom prst="rect">
-            <a:avLst/>
-          </a:prstGeom>
-        </p:spPr>
-      </p:pic>
-      <p:pic>
-        <p:nvPicPr>
-          <p:cNvPr id="7" name="Immagine 6">
-            <a:extLst>
-              <a:ext uri="{FF2B5EF4-FFF2-40B4-BE49-F238E27FC236}">
-                <a16:creationId xmlns:a16="http://schemas.microsoft.com/office/drawing/2014/main" id="{1C7C9D56-B29A-4D33-8973-1E2DD309139D}"/>
-              </a:ext>
-            </a:extLst>
-          </p:cNvPr>
-          <p:cNvPicPr>
-            <a:picLocks noChangeAspect="1"/>
-          </p:cNvPicPr>
-          <p:nvPr/>
-        </p:nvPicPr>
-        <p:blipFill>
-          <a:blip r:embed="rId3"/>
-          <a:stretch>
-            <a:fillRect/>
-          </a:stretch>
-        </p:blipFill>
-        <p:spPr>
-          <a:xfrm>
-            <a:off x="1467918" y="4160324"/>
-            <a:ext cx="3794861" cy="2359305"/>
-          </a:xfrm>
-          <a:prstGeom prst="rect">
-            <a:avLst/>
-          </a:prstGeom>
-        </p:spPr>
-      </p:pic>
-      <p:pic>
-        <p:nvPicPr>
-          <p:cNvPr id="9" name="Immagine 8">
-            <a:extLst>
-              <a:ext uri="{FF2B5EF4-FFF2-40B4-BE49-F238E27FC236}">
-                <a16:creationId xmlns:a16="http://schemas.microsoft.com/office/drawing/2014/main" id="{5B301805-373D-45C2-A506-CADDCA54DD29}"/>
-              </a:ext>
-            </a:extLst>
-          </p:cNvPr>
-          <p:cNvPicPr>
-            <a:picLocks noChangeAspect="1"/>
-          </p:cNvPicPr>
-          <p:nvPr/>
-        </p:nvPicPr>
-        <p:blipFill>
-          <a:blip r:embed="rId4"/>
-          <a:stretch>
-            <a:fillRect/>
-          </a:stretch>
-        </p:blipFill>
-        <p:spPr>
-          <a:xfrm>
-            <a:off x="6678966" y="1947629"/>
-            <a:ext cx="2571750" cy="4572000"/>
+            <a:off x="3709229" y="1214493"/>
+            <a:ext cx="4474089" cy="5405215"/>
           </a:xfrm>
           <a:prstGeom prst="rect">
             <a:avLst/>
@@ -4705,7 +4935,7 @@
     </p:spTree>
     <p:extLst>
       <p:ext uri="{BB962C8B-B14F-4D97-AF65-F5344CB8AC3E}">
-        <p14:creationId xmlns:p14="http://schemas.microsoft.com/office/powerpoint/2010/main" val="1276566767"/>
+        <p14:creationId xmlns:p14="http://schemas.microsoft.com/office/powerpoint/2010/main" val="1145801850"/>
       </p:ext>
     </p:extLst>
   </p:cSld>

--- a/presentazione/Colussi_Davide_Presentazione.pptx
+++ b/presentazione/Colussi_Davide_Presentazione.pptx
@@ -4,6 +4,9 @@
   <p:sldMasterIdLst>
     <p:sldMasterId id="2147483648" r:id="rId1"/>
   </p:sldMasterIdLst>
+  <p:notesMasterIdLst>
+    <p:notesMasterId r:id="rId13"/>
+  </p:notesMasterIdLst>
   <p:sldIdLst>
     <p:sldId id="256" r:id="rId2"/>
     <p:sldId id="257" r:id="rId3"/>
@@ -15,6 +18,7 @@
     <p:sldId id="265" r:id="rId9"/>
     <p:sldId id="266" r:id="rId10"/>
     <p:sldId id="264" r:id="rId11"/>
+    <p:sldId id="267" r:id="rId12"/>
   </p:sldIdLst>
   <p:sldSz cx="12192000" cy="6858000"/>
   <p:notesSz cx="6858000" cy="9144000"/>
@@ -123,7 +127,7 @@
 
 <file path=ppt/commentAuthors.xml><?xml version="1.0" encoding="utf-8"?>
 <p:cmAuthorLst xmlns:a="http://schemas.openxmlformats.org/drawingml/2006/main" xmlns:r="http://schemas.openxmlformats.org/officeDocument/2006/relationships" xmlns:p="http://schemas.openxmlformats.org/presentationml/2006/main">
-  <p:cmAuthor id="1" name="Colussi Davide" initials="CD" lastIdx="1" clrIdx="0">
+  <p:cmAuthor id="1" name="Colussi Davide" initials="CD" lastIdx="25" clrIdx="0">
     <p:extLst>
       <p:ext uri="{19B8F6BF-5375-455C-9EA6-DF929625EA0E}">
         <p15:presenceInfo xmlns:p15="http://schemas.microsoft.com/office/powerpoint/2012/main" userId="Colussi Davide" providerId="None"/>
@@ -135,9 +139,46 @@
 
 <file path=ppt/comments/comment1.xml><?xml version="1.0" encoding="utf-8"?>
 <p:cmLst xmlns:a="http://schemas.openxmlformats.org/drawingml/2006/main" xmlns:r="http://schemas.openxmlformats.org/officeDocument/2006/relationships" xmlns:p="http://schemas.openxmlformats.org/presentationml/2006/main">
-  <p:cm authorId="1" dt="2021-09-17T12:05:50.027" idx="1">
-    <p:pos x="2056" y="3122"/>
-    <p:text>metodo di sviluppo</p:text>
+  <p:cm authorId="1" dt="2021-09-18T16:44:26.784" idx="2">
+    <p:pos x="693" y="3763"/>
+    <p:text>il tutto racchiuso in un gestionale</p:text>
+    <p:extLst>
+      <p:ext uri="{C676402C-5697-4E1C-873F-D02D1690AC5C}">
+        <p15:threadingInfo xmlns:p15="http://schemas.microsoft.com/office/powerpoint/2012/main" timeZoneBias="-120"/>
+      </p:ext>
+    </p:extLst>
+  </p:cm>
+  <p:cm authorId="1" dt="2021-09-18T16:45:07.311" idx="3">
+    <p:pos x="2201" y="3781"/>
+    <p:text>scopo della tesi</p:text>
+    <p:extLst>
+      <p:ext uri="{C676402C-5697-4E1C-873F-D02D1690AC5C}">
+        <p15:threadingInfo xmlns:p15="http://schemas.microsoft.com/office/powerpoint/2012/main" timeZoneBias="-120"/>
+      </p:ext>
+    </p:extLst>
+  </p:cm>
+  <p:cm authorId="1" dt="2021-09-18T17:06:07.075" idx="22">
+    <p:pos x="2905" y="364"/>
+    <p:text>Unipiazza è una startup di Padova che si occupa di fidelizzazione clienti e digitalizzazione delle attività commerciali. È un servizio che premia i clienti che tornano nel punto vendita e lo fa in maniera coinvolgente. Infatti, attraverso l’accumulo di gettoni virtuali, i clienti possono ottenere dei prodotti omaggio e dei premi speciali da parte dell’attività commerciale.</p:text>
+    <p:extLst>
+      <p:ext uri="{C676402C-5697-4E1C-873F-D02D1690AC5C}">
+        <p15:threadingInfo xmlns:p15="http://schemas.microsoft.com/office/powerpoint/2012/main" timeZoneBias="-120"/>
+      </p:ext>
+    </p:extLst>
+  </p:cm>
+  <p:cm authorId="1" dt="2021-09-18T17:06:19.951" idx="23">
+    <p:pos x="3735" y="1505"/>
+    <p:text>In ogni attività commerciale convenzionata con Unipiazza è presente un tablet tramite il quale gli utenti possono registrarsi a Unipiazza (se non lo hanno già fatto tramite l’App smartphone) e cominciare a raccogliere gettoni.
+La raccolta dei gettoni avviene tramite l’utilizzo di una tessera RFID, oppure del proprio smartphone.</p:text>
+    <p:extLst>
+      <p:ext uri="{C676402C-5697-4E1C-873F-D02D1690AC5C}">
+        <p15:threadingInfo xmlns:p15="http://schemas.microsoft.com/office/powerpoint/2012/main" timeZoneBias="-120"/>
+      </p:ext>
+    </p:extLst>
+  </p:cm>
+  <p:cm authorId="1" dt="2021-09-18T17:51:25.023" idx="25">
+    <p:pos x="10" y="10"/>
+    <p:text/>
     <p:extLst>
       <p:ext uri="{C676402C-5697-4E1C-873F-D02D1690AC5C}">
         <p15:threadingInfo xmlns:p15="http://schemas.microsoft.com/office/powerpoint/2012/main" timeZoneBias="-120"/>
@@ -145,6 +186,763 @@
     </p:extLst>
   </p:cm>
 </p:cmLst>
+</file>
+
+<file path=ppt/comments/comment2.xml><?xml version="1.0" encoding="utf-8"?>
+<p:cmLst xmlns:a="http://schemas.openxmlformats.org/drawingml/2006/main" xmlns:r="http://schemas.openxmlformats.org/officeDocument/2006/relationships" xmlns:p="http://schemas.openxmlformats.org/presentationml/2006/main">
+  <p:cm authorId="1" dt="2021-09-18T16:45:56.189" idx="4">
+    <p:pos x="3363" y="217"/>
+    <p:text>L’analisi dei requisiti serve a esplicitare puntualmente quali sono le funzionalità che il prodotto finale (nel nostro caso un servizio) deve avere e a quali vincoli deve sottostare.</p:text>
+    <p:extLst>
+      <p:ext uri="{C676402C-5697-4E1C-873F-D02D1690AC5C}">
+        <p15:threadingInfo xmlns:p15="http://schemas.microsoft.com/office/powerpoint/2012/main" timeZoneBias="-120"/>
+      </p:ext>
+    </p:extLst>
+  </p:cm>
+  <p:cm authorId="1" dt="2021-09-18T16:46:12.676" idx="5">
+    <p:pos x="2555" y="901"/>
+    <p:text>La startup Unipiazza nasce con l’intento di offrire un servizio di fidelizzazione clienti alle piccole attività commerciali. Il servizio offerto è facile da utilizzare, in questo modo le attività potranno adottarlo senza dover imparare procedure complicate.
+Sul mercato attuale esistono aziende che offrono servizi simili, ciò che contraddistingue Unipiazza è l’approccio “user-centric”, nel quale la priorità è l’utente finale.</p:text>
+    <p:extLst>
+      <p:ext uri="{C676402C-5697-4E1C-873F-D02D1690AC5C}">
+        <p15:threadingInfo xmlns:p15="http://schemas.microsoft.com/office/powerpoint/2012/main" timeZoneBias="-120"/>
+      </p:ext>
+    </p:extLst>
+  </p:cm>
+  <p:cm authorId="1" dt="2021-09-18T16:47:58.309" idx="6">
+    <p:pos x="4515" y="2004"/>
+    <p:text>Requisiti HW e SW</p:text>
+    <p:extLst>
+      <p:ext uri="{C676402C-5697-4E1C-873F-D02D1690AC5C}">
+        <p15:threadingInfo xmlns:p15="http://schemas.microsoft.com/office/powerpoint/2012/main" timeZoneBias="-120"/>
+      </p:ext>
+    </p:extLst>
+  </p:cm>
+  <p:cm authorId="1" dt="2021-09-18T16:48:42.156" idx="7">
+    <p:pos x="4553" y="3415"/>
+    <p:text>Ecco alcune delle soluzioni possibili per ricevere un feedback da parte degli utenti del servizio:
+- opinioni dirette dei clienti e gestori delle attività commerciali;
+- recensioni su “Play Store” o “App Store”;
+- realizzazione di un portale web per la raccolta di suggerimenti;
+- realizzazione di statistiche automatiche sull’utilizzo del servizio.</p:text>
+    <p:extLst>
+      <p:ext uri="{C676402C-5697-4E1C-873F-D02D1690AC5C}">
+        <p15:threadingInfo xmlns:p15="http://schemas.microsoft.com/office/powerpoint/2012/main" timeZoneBias="-120"/>
+      </p:ext>
+    </p:extLst>
+  </p:cm>
+  <p:cm authorId="1" dt="2021-09-18T16:49:25.133" idx="8">
+    <p:pos x="3816" y="3077"/>
+    <p:text>Metodo di sviluppo, subito funzionante poi ricevendo i feedback..</p:text>
+    <p:extLst>
+      <p:ext uri="{C676402C-5697-4E1C-873F-D02D1690AC5C}">
+        <p15:threadingInfo xmlns:p15="http://schemas.microsoft.com/office/powerpoint/2012/main" timeZoneBias="-120"/>
+      </p:ext>
+    </p:extLst>
+  </p:cm>
+</p:cmLst>
+</file>
+
+<file path=ppt/comments/comment3.xml><?xml version="1.0" encoding="utf-8"?>
+<p:cmLst xmlns:a="http://schemas.openxmlformats.org/drawingml/2006/main" xmlns:r="http://schemas.openxmlformats.org/officeDocument/2006/relationships" xmlns:p="http://schemas.openxmlformats.org/presentationml/2006/main">
+  <p:cm authorId="1" dt="2021-09-18T16:54:26.486" idx="9">
+    <p:pos x="3318" y="84"/>
+    <p:text>Quando un cliente acquista un bene presso un’attività commerciale, scansiona una tessera sul tablet dell’attività, in questo modo può accedere al servizio Unipiazza. Il tablet mostrerà al cliente i gettoni che ha accumulato presso quella attività, permettendo al gestore di aggiungerne altri, a seconda di quanto il cliente ha speso.
+Per aggiungere gettoni al cliente, il gestore deve poter utilizzare uno smartphone dedicato, tramite il quale può decidere manualmente la quantità di gettoni da aggiungere.
+Più il cliente spende, più il numero di gettoni aumenta. Il cliente può visualizzare nel tablet i premi disponibili presso l’attività (caffè omaggio, brioche gratis, ecc). Una volta raggiunto il numero di gettoni necessario per ritirare il premio, il cliente può decidere se ritirarlo.
+Il cliente è invogliato a ritornare, poiché possiede un certo saldo di gettoni presso quella attività commerciale (che saranno validi solamente in quell’attività).
+Il cliente che non dispone della tessera da scansionare potrà ritirarla gratuitamente in un qualsiasi attività commerciale convenzionata con Unipiazza.</p:text>
+    <p:extLst>
+      <p:ext uri="{C676402C-5697-4E1C-873F-D02D1690AC5C}">
+        <p15:threadingInfo xmlns:p15="http://schemas.microsoft.com/office/powerpoint/2012/main" timeZoneBias="-120"/>
+      </p:ext>
+    </p:extLst>
+  </p:cm>
+</p:cmLst>
+</file>
+
+<file path=ppt/comments/comment4.xml><?xml version="1.0" encoding="utf-8"?>
+<p:cmLst xmlns:a="http://schemas.openxmlformats.org/drawingml/2006/main" xmlns:r="http://schemas.openxmlformats.org/officeDocument/2006/relationships" xmlns:p="http://schemas.openxmlformats.org/presentationml/2006/main">
+  <p:cm authorId="1" dt="2021-09-18T16:55:00.504" idx="10">
+    <p:pos x="3525" y="113"/>
+    <p:text>Il cliente può visualizzare sul proprio smartphone le attività commerciali convenzionate con Unipiazza vicino a lui. Il cliente può “seguire” certe attività, in questo modo potrà ritrovarle nella lista “attività seguite” dell’app smartphone. Il cliente può visualizzare in ogni momento il saldo dei gettoni raccolti in ogni attività.</p:text>
+    <p:extLst>
+      <p:ext uri="{C676402C-5697-4E1C-873F-D02D1690AC5C}">
+        <p15:threadingInfo xmlns:p15="http://schemas.microsoft.com/office/powerpoint/2012/main" timeZoneBias="-120"/>
+      </p:ext>
+    </p:extLst>
+  </p:cm>
+</p:cmLst>
+</file>
+
+<file path=ppt/comments/comment5.xml><?xml version="1.0" encoding="utf-8"?>
+<p:cmLst xmlns:a="http://schemas.openxmlformats.org/drawingml/2006/main" xmlns:r="http://schemas.openxmlformats.org/officeDocument/2006/relationships" xmlns:p="http://schemas.openxmlformats.org/presentationml/2006/main">
+  <p:cm authorId="1" dt="2021-09-18T16:55:35.484" idx="11">
+    <p:pos x="10" y="10"/>
+    <p:text>Per creare il servizio Unipiazza serviva un’architettura informatica per la gestione dei dati e del funzionamento del servizio. Per esempio, era necessario memorizzare il numero di gettoni raccolti da ogni cliente, i nomi delle attività commerciali presenti sul territorio e le transazioni effettuate da ogni cliente.
+Per realizzare un servizio di questo tipo, si è preferito procedere secondo un'architettura informatica il più standard possibile, orientata ai microservizi, in modo da semplificare lo sviluppo e limitare possibili problematiche.</p:text>
+    <p:extLst>
+      <p:ext uri="{C676402C-5697-4E1C-873F-D02D1690AC5C}">
+        <p15:threadingInfo xmlns:p15="http://schemas.microsoft.com/office/powerpoint/2012/main" timeZoneBias="-120"/>
+      </p:ext>
+    </p:extLst>
+  </p:cm>
+  <p:cm authorId="1" dt="2021-09-18T16:56:22.295" idx="12">
+    <p:pos x="5714" y="1298"/>
+    <p:text>In questo schema compaiono le app e il gestionale, le entità nelle quali risiede la gestione dell’interfaccia utente, ossia la componente del servizio che permette ai clienti e ai gestori di interagire con il servizio di Unipiazza.</p:text>
+    <p:extLst>
+      <p:ext uri="{C676402C-5697-4E1C-873F-D02D1690AC5C}">
+        <p15:threadingInfo xmlns:p15="http://schemas.microsoft.com/office/powerpoint/2012/main" timeZoneBias="-120"/>
+      </p:ext>
+    </p:extLst>
+  </p:cm>
+  <p:cm authorId="1" dt="2021-09-18T16:56:40.746" idx="13">
+    <p:pos x="4385" y="3750"/>
+    <p:text>Il database è l’entità adibita al salvataggio e il mantenimento dei dati in maniera strutturata relativi alla gestione del servizio di fidelizzazione (come, ad esempio, il numero di gettoni raccolti per ogni cliente, i nomi delle attività commerciali, i nomi degli utenti…).</p:text>
+    <p:extLst>
+      <p:ext uri="{C676402C-5697-4E1C-873F-D02D1690AC5C}">
+        <p15:threadingInfo xmlns:p15="http://schemas.microsoft.com/office/powerpoint/2012/main" timeZoneBias="-120"/>
+      </p:ext>
+    </p:extLst>
+  </p:cm>
+  <p:cm authorId="1" dt="2021-09-18T16:57:07.466" idx="14">
+    <p:pos x="4833" y="2758"/>
+    <p:text>Le applicazioni comunicano con il database tramite un Server API: un’entità spesso utilizzata nelle architetture informatiche, il cui scopo è gestire la comunicazione tra due o più entità (nel nostro caso le app, il gestionale e il database), fornendo un’interfaccia ben definita per il dialogo.
+Nel nostro caso, i client che vogliono richiedere delle informazioni al database, dovranno fare delle richieste “http” al server API, che farà da intermediario. Il server si occuperà di risolvere le richieste secondo una determinata logica, di interrogare il database e fornire una risposta al client.</p:text>
+    <p:extLst>
+      <p:ext uri="{C676402C-5697-4E1C-873F-D02D1690AC5C}">
+        <p15:threadingInfo xmlns:p15="http://schemas.microsoft.com/office/powerpoint/2012/main" timeZoneBias="-120"/>
+      </p:ext>
+    </p:extLst>
+  </p:cm>
+</p:cmLst>
+</file>
+
+<file path=ppt/comments/comment6.xml><?xml version="1.0" encoding="utf-8"?>
+<p:cmLst xmlns:a="http://schemas.openxmlformats.org/drawingml/2006/main" xmlns:r="http://schemas.openxmlformats.org/officeDocument/2006/relationships" xmlns:p="http://schemas.openxmlformats.org/presentationml/2006/main">
+  <p:cm authorId="1" dt="2021-09-18T16:59:02.923" idx="15">
+    <p:pos x="7052" y="211"/>
+    <p:text>Una volta forniti i tablet e gli smartphone alle attività commerciali, bisogna implementare un sistema che consenta di aggiornare da remoto l’app di Unipiazza.
+L’aggiornamento deve essere automatico, in modo che il gestore non debba preoccuparsene.</p:text>
+    <p:extLst>
+      <p:ext uri="{C676402C-5697-4E1C-873F-D02D1690AC5C}">
+        <p15:threadingInfo xmlns:p15="http://schemas.microsoft.com/office/powerpoint/2012/main" timeZoneBias="-120"/>
+      </p:ext>
+    </p:extLst>
+  </p:cm>
+  <p:cm authorId="1" dt="2021-09-18T16:59:17.495" idx="16">
+    <p:pos x="7039" y="695"/>
+    <p:text>Quando viene sviluppata una nuova versione, viene caricato sul server di unipiazza il file di installazione per android apk.
+Il tablet e lo smartphone devono quindi collegarsi a questo URL, scaricare il file “apk” dell’aggiornamento e installarlo al posto della precedente versione dell’app.</p:text>
+    <p:extLst>
+      <p:ext uri="{C676402C-5697-4E1C-873F-D02D1690AC5C}">
+        <p15:threadingInfo xmlns:p15="http://schemas.microsoft.com/office/powerpoint/2012/main" timeZoneBias="-120"/>
+      </p:ext>
+    </p:extLst>
+  </p:cm>
+  <p:cm authorId="1" dt="2021-09-18T17:00:55.147" idx="17">
+    <p:pos x="10" y="10"/>
+    <p:text>Rallentamento, e installazione immediata con possibile momento di disservizio. Problematico se durante orari di apertura.
+Problemi per aggiornamenti "massivi" di molti dispositii</p:text>
+    <p:extLst>
+      <p:ext uri="{C676402C-5697-4E1C-873F-D02D1690AC5C}">
+        <p15:threadingInfo xmlns:p15="http://schemas.microsoft.com/office/powerpoint/2012/main" timeZoneBias="-120"/>
+      </p:ext>
+    </p:extLst>
+  </p:cm>
+</p:cmLst>
+</file>
+
+<file path=ppt/comments/comment7.xml><?xml version="1.0" encoding="utf-8"?>
+<p:cmLst xmlns:a="http://schemas.openxmlformats.org/drawingml/2006/main" xmlns:r="http://schemas.openxmlformats.org/officeDocument/2006/relationships" xmlns:p="http://schemas.openxmlformats.org/presentationml/2006/main">
+  <p:cm authorId="1" dt="2021-09-18T17:01:40.274" idx="18">
+    <p:pos x="10" y="10"/>
+    <p:text>Minor tempo di disservizio (o perlomeno in momenti in cui lo si può gestire).
+Per aggiornamenti massivi va bene, sono fatti in tempi diversi</p:text>
+    <p:extLst>
+      <p:ext uri="{C676402C-5697-4E1C-873F-D02D1690AC5C}">
+        <p15:threadingInfo xmlns:p15="http://schemas.microsoft.com/office/powerpoint/2012/main" timeZoneBias="-120"/>
+      </p:ext>
+    </p:extLst>
+  </p:cm>
+</p:cmLst>
+</file>
+
+<file path=ppt/comments/comment8.xml><?xml version="1.0" encoding="utf-8"?>
+<p:cmLst xmlns:a="http://schemas.openxmlformats.org/drawingml/2006/main" xmlns:r="http://schemas.openxmlformats.org/officeDocument/2006/relationships" xmlns:p="http://schemas.openxmlformats.org/presentationml/2006/main">
+  <p:cm authorId="1" dt="2021-09-18T17:03:35.885" idx="19">
+    <p:pos x="2609" y="1443"/>
+    <p:text>Grazie al metodo di sviluppo descritto nella sezione utilizzato, in cui si è preferito implementare il servizio inizialmente solo con le sue funzionalità essenziali, è stato possibile verificare subito l'efficacia e scovare eventuali problemi.
+E' stato possibile ideare soluzioni alternative in un breve tempo.</p:text>
+    <p:extLst>
+      <p:ext uri="{C676402C-5697-4E1C-873F-D02D1690AC5C}">
+        <p15:threadingInfo xmlns:p15="http://schemas.microsoft.com/office/powerpoint/2012/main" timeZoneBias="-120"/>
+      </p:ext>
+    </p:extLst>
+  </p:cm>
+  <p:cm authorId="1" dt="2021-09-18T17:04:58.169" idx="20">
+    <p:pos x="2920" y="2270"/>
+    <p:text>Avendo utilizzato un approccio orientato ai microservizi e quidni altamente scalabile per l’architettura informatica, sarà facile ospitare un numero sempre maggiore di utenti in futuro.</p:text>
+    <p:extLst>
+      <p:ext uri="{C676402C-5697-4E1C-873F-D02D1690AC5C}">
+        <p15:threadingInfo xmlns:p15="http://schemas.microsoft.com/office/powerpoint/2012/main" timeZoneBias="-120"/>
+      </p:ext>
+    </p:extLst>
+  </p:cm>
+  <p:cm authorId="1" dt="2021-09-18T17:05:30.788" idx="21">
+    <p:pos x="2432" y="3008"/>
+    <p:text>Grazie all’approccio utilizzato, in cui il riscontro dell’utente finale è la priorità, il servizio sarà progressivamente arricchito con funzionalità utili.</p:text>
+    <p:extLst>
+      <p:ext uri="{C676402C-5697-4E1C-873F-D02D1690AC5C}">
+        <p15:threadingInfo xmlns:p15="http://schemas.microsoft.com/office/powerpoint/2012/main" timeZoneBias="-120"/>
+      </p:ext>
+    </p:extLst>
+  </p:cm>
+</p:cmLst>
+</file>
+
+<file path=ppt/notesMasters/notesMaster1.xml><?xml version="1.0" encoding="utf-8"?>
+<p:notesMaster xmlns:a="http://schemas.openxmlformats.org/drawingml/2006/main" xmlns:r="http://schemas.openxmlformats.org/officeDocument/2006/relationships" xmlns:p="http://schemas.openxmlformats.org/presentationml/2006/main">
+  <p:cSld>
+    <p:bg>
+      <p:bgRef idx="1001">
+        <a:schemeClr val="bg1"/>
+      </p:bgRef>
+    </p:bg>
+    <p:spTree>
+      <p:nvGrpSpPr>
+        <p:cNvPr id="1" name=""/>
+        <p:cNvGrpSpPr/>
+        <p:nvPr/>
+      </p:nvGrpSpPr>
+      <p:grpSpPr>
+        <a:xfrm>
+          <a:off x="0" y="0"/>
+          <a:ext cx="0" cy="0"/>
+          <a:chOff x="0" y="0"/>
+          <a:chExt cx="0" cy="0"/>
+        </a:xfrm>
+      </p:grpSpPr>
+      <p:sp>
+        <p:nvSpPr>
+          <p:cNvPr id="2" name="Segnaposto intestazione 1"/>
+          <p:cNvSpPr>
+            <a:spLocks noGrp="1"/>
+          </p:cNvSpPr>
+          <p:nvPr>
+            <p:ph type="hdr" sz="quarter"/>
+          </p:nvPr>
+        </p:nvSpPr>
+        <p:spPr>
+          <a:xfrm>
+            <a:off x="0" y="0"/>
+            <a:ext cx="2971800" cy="458788"/>
+          </a:xfrm>
+          <a:prstGeom prst="rect">
+            <a:avLst/>
+          </a:prstGeom>
+        </p:spPr>
+        <p:txBody>
+          <a:bodyPr vert="horz" lIns="91440" tIns="45720" rIns="91440" bIns="45720" rtlCol="0"/>
+          <a:lstStyle>
+            <a:lvl1pPr algn="l">
+              <a:defRPr sz="1200"/>
+            </a:lvl1pPr>
+          </a:lstStyle>
+          <a:p>
+            <a:endParaRPr lang="it-IT"/>
+          </a:p>
+        </p:txBody>
+      </p:sp>
+      <p:sp>
+        <p:nvSpPr>
+          <p:cNvPr id="3" name="Segnaposto data 2"/>
+          <p:cNvSpPr>
+            <a:spLocks noGrp="1"/>
+          </p:cNvSpPr>
+          <p:nvPr>
+            <p:ph type="dt" idx="1"/>
+          </p:nvPr>
+        </p:nvSpPr>
+        <p:spPr>
+          <a:xfrm>
+            <a:off x="3884613" y="0"/>
+            <a:ext cx="2971800" cy="458788"/>
+          </a:xfrm>
+          <a:prstGeom prst="rect">
+            <a:avLst/>
+          </a:prstGeom>
+        </p:spPr>
+        <p:txBody>
+          <a:bodyPr vert="horz" lIns="91440" tIns="45720" rIns="91440" bIns="45720" rtlCol="0"/>
+          <a:lstStyle>
+            <a:lvl1pPr algn="r">
+              <a:defRPr sz="1200"/>
+            </a:lvl1pPr>
+          </a:lstStyle>
+          <a:p>
+            <a:fld id="{9ED42BBB-2F8A-4F64-A19D-490A25A04C21}" type="datetimeFigureOut">
+              <a:rPr lang="it-IT" smtClean="0"/>
+              <a:t>18/set/2021</a:t>
+            </a:fld>
+            <a:endParaRPr lang="it-IT"/>
+          </a:p>
+        </p:txBody>
+      </p:sp>
+      <p:sp>
+        <p:nvSpPr>
+          <p:cNvPr id="4" name="Segnaposto immagine diapositiva 3"/>
+          <p:cNvSpPr>
+            <a:spLocks noGrp="1" noRot="1" noChangeAspect="1"/>
+          </p:cNvSpPr>
+          <p:nvPr>
+            <p:ph type="sldImg" idx="2"/>
+          </p:nvPr>
+        </p:nvSpPr>
+        <p:spPr>
+          <a:xfrm>
+            <a:off x="685800" y="1143000"/>
+            <a:ext cx="5486400" cy="3086100"/>
+          </a:xfrm>
+          <a:prstGeom prst="rect">
+            <a:avLst/>
+          </a:prstGeom>
+          <a:noFill/>
+          <a:ln w="12700">
+            <a:solidFill>
+              <a:prstClr val="black"/>
+            </a:solidFill>
+          </a:ln>
+        </p:spPr>
+        <p:txBody>
+          <a:bodyPr vert="horz" lIns="91440" tIns="45720" rIns="91440" bIns="45720" rtlCol="0" anchor="ctr"/>
+          <a:lstStyle/>
+          <a:p>
+            <a:endParaRPr lang="it-IT"/>
+          </a:p>
+        </p:txBody>
+      </p:sp>
+      <p:sp>
+        <p:nvSpPr>
+          <p:cNvPr id="5" name="Segnaposto note 4"/>
+          <p:cNvSpPr>
+            <a:spLocks noGrp="1"/>
+          </p:cNvSpPr>
+          <p:nvPr>
+            <p:ph type="body" sz="quarter" idx="3"/>
+          </p:nvPr>
+        </p:nvSpPr>
+        <p:spPr>
+          <a:xfrm>
+            <a:off x="685800" y="4400550"/>
+            <a:ext cx="5486400" cy="3600450"/>
+          </a:xfrm>
+          <a:prstGeom prst="rect">
+            <a:avLst/>
+          </a:prstGeom>
+        </p:spPr>
+        <p:txBody>
+          <a:bodyPr vert="horz" lIns="91440" tIns="45720" rIns="91440" bIns="45720" rtlCol="0"/>
+          <a:lstStyle/>
+          <a:p>
+            <a:pPr lvl="0"/>
+            <a:r>
+              <a:rPr lang="it-IT"/>
+              <a:t>Fare clic per modificare gli stili del testo dello schema</a:t>
+            </a:r>
+          </a:p>
+          <a:p>
+            <a:pPr lvl="1"/>
+            <a:r>
+              <a:rPr lang="it-IT"/>
+              <a:t>Secondo livello</a:t>
+            </a:r>
+          </a:p>
+          <a:p>
+            <a:pPr lvl="2"/>
+            <a:r>
+              <a:rPr lang="it-IT"/>
+              <a:t>Terzo livello</a:t>
+            </a:r>
+          </a:p>
+          <a:p>
+            <a:pPr lvl="3"/>
+            <a:r>
+              <a:rPr lang="it-IT"/>
+              <a:t>Quarto livello</a:t>
+            </a:r>
+          </a:p>
+          <a:p>
+            <a:pPr lvl="4"/>
+            <a:r>
+              <a:rPr lang="it-IT"/>
+              <a:t>Quinto livello</a:t>
+            </a:r>
+          </a:p>
+        </p:txBody>
+      </p:sp>
+      <p:sp>
+        <p:nvSpPr>
+          <p:cNvPr id="6" name="Segnaposto piè di pagina 5"/>
+          <p:cNvSpPr>
+            <a:spLocks noGrp="1"/>
+          </p:cNvSpPr>
+          <p:nvPr>
+            <p:ph type="ftr" sz="quarter" idx="4"/>
+          </p:nvPr>
+        </p:nvSpPr>
+        <p:spPr>
+          <a:xfrm>
+            <a:off x="0" y="8685213"/>
+            <a:ext cx="2971800" cy="458787"/>
+          </a:xfrm>
+          <a:prstGeom prst="rect">
+            <a:avLst/>
+          </a:prstGeom>
+        </p:spPr>
+        <p:txBody>
+          <a:bodyPr vert="horz" lIns="91440" tIns="45720" rIns="91440" bIns="45720" rtlCol="0" anchor="b"/>
+          <a:lstStyle>
+            <a:lvl1pPr algn="l">
+              <a:defRPr sz="1200"/>
+            </a:lvl1pPr>
+          </a:lstStyle>
+          <a:p>
+            <a:endParaRPr lang="it-IT"/>
+          </a:p>
+        </p:txBody>
+      </p:sp>
+      <p:sp>
+        <p:nvSpPr>
+          <p:cNvPr id="7" name="Segnaposto numero diapositiva 6"/>
+          <p:cNvSpPr>
+            <a:spLocks noGrp="1"/>
+          </p:cNvSpPr>
+          <p:nvPr>
+            <p:ph type="sldNum" sz="quarter" idx="5"/>
+          </p:nvPr>
+        </p:nvSpPr>
+        <p:spPr>
+          <a:xfrm>
+            <a:off x="3884613" y="8685213"/>
+            <a:ext cx="2971800" cy="458787"/>
+          </a:xfrm>
+          <a:prstGeom prst="rect">
+            <a:avLst/>
+          </a:prstGeom>
+        </p:spPr>
+        <p:txBody>
+          <a:bodyPr vert="horz" lIns="91440" tIns="45720" rIns="91440" bIns="45720" rtlCol="0" anchor="b"/>
+          <a:lstStyle>
+            <a:lvl1pPr algn="r">
+              <a:defRPr sz="1200"/>
+            </a:lvl1pPr>
+          </a:lstStyle>
+          <a:p>
+            <a:fld id="{73A32062-870E-4C43-8F6C-7C2485306BE5}" type="slidenum">
+              <a:rPr lang="it-IT" smtClean="0"/>
+              <a:t>‹N›</a:t>
+            </a:fld>
+            <a:endParaRPr lang="it-IT"/>
+          </a:p>
+        </p:txBody>
+      </p:sp>
+    </p:spTree>
+    <p:extLst>
+      <p:ext uri="{BB962C8B-B14F-4D97-AF65-F5344CB8AC3E}">
+        <p14:creationId xmlns:p14="http://schemas.microsoft.com/office/powerpoint/2010/main" val="824592316"/>
+      </p:ext>
+    </p:extLst>
+  </p:cSld>
+  <p:clrMap bg1="lt1" tx1="dk1" bg2="lt2" tx2="dk2" accent1="accent1" accent2="accent2" accent3="accent3" accent4="accent4" accent5="accent5" accent6="accent6" hlink="hlink" folHlink="folHlink"/>
+  <p:notesStyle>
+    <a:lvl1pPr marL="0" algn="l" defTabSz="914400" rtl="0" eaLnBrk="1" latinLnBrk="0" hangingPunct="1">
+      <a:defRPr sz="1200" kern="1200">
+        <a:solidFill>
+          <a:schemeClr val="tx1"/>
+        </a:solidFill>
+        <a:latin typeface="+mn-lt"/>
+        <a:ea typeface="+mn-ea"/>
+        <a:cs typeface="+mn-cs"/>
+      </a:defRPr>
+    </a:lvl1pPr>
+    <a:lvl2pPr marL="457200" algn="l" defTabSz="914400" rtl="0" eaLnBrk="1" latinLnBrk="0" hangingPunct="1">
+      <a:defRPr sz="1200" kern="1200">
+        <a:solidFill>
+          <a:schemeClr val="tx1"/>
+        </a:solidFill>
+        <a:latin typeface="+mn-lt"/>
+        <a:ea typeface="+mn-ea"/>
+        <a:cs typeface="+mn-cs"/>
+      </a:defRPr>
+    </a:lvl2pPr>
+    <a:lvl3pPr marL="914400" algn="l" defTabSz="914400" rtl="0" eaLnBrk="1" latinLnBrk="0" hangingPunct="1">
+      <a:defRPr sz="1200" kern="1200">
+        <a:solidFill>
+          <a:schemeClr val="tx1"/>
+        </a:solidFill>
+        <a:latin typeface="+mn-lt"/>
+        <a:ea typeface="+mn-ea"/>
+        <a:cs typeface="+mn-cs"/>
+      </a:defRPr>
+    </a:lvl3pPr>
+    <a:lvl4pPr marL="1371600" algn="l" defTabSz="914400" rtl="0" eaLnBrk="1" latinLnBrk="0" hangingPunct="1">
+      <a:defRPr sz="1200" kern="1200">
+        <a:solidFill>
+          <a:schemeClr val="tx1"/>
+        </a:solidFill>
+        <a:latin typeface="+mn-lt"/>
+        <a:ea typeface="+mn-ea"/>
+        <a:cs typeface="+mn-cs"/>
+      </a:defRPr>
+    </a:lvl4pPr>
+    <a:lvl5pPr marL="1828800" algn="l" defTabSz="914400" rtl="0" eaLnBrk="1" latinLnBrk="0" hangingPunct="1">
+      <a:defRPr sz="1200" kern="1200">
+        <a:solidFill>
+          <a:schemeClr val="tx1"/>
+        </a:solidFill>
+        <a:latin typeface="+mn-lt"/>
+        <a:ea typeface="+mn-ea"/>
+        <a:cs typeface="+mn-cs"/>
+      </a:defRPr>
+    </a:lvl5pPr>
+    <a:lvl6pPr marL="2286000" algn="l" defTabSz="914400" rtl="0" eaLnBrk="1" latinLnBrk="0" hangingPunct="1">
+      <a:defRPr sz="1200" kern="1200">
+        <a:solidFill>
+          <a:schemeClr val="tx1"/>
+        </a:solidFill>
+        <a:latin typeface="+mn-lt"/>
+        <a:ea typeface="+mn-ea"/>
+        <a:cs typeface="+mn-cs"/>
+      </a:defRPr>
+    </a:lvl6pPr>
+    <a:lvl7pPr marL="2743200" algn="l" defTabSz="914400" rtl="0" eaLnBrk="1" latinLnBrk="0" hangingPunct="1">
+      <a:defRPr sz="1200" kern="1200">
+        <a:solidFill>
+          <a:schemeClr val="tx1"/>
+        </a:solidFill>
+        <a:latin typeface="+mn-lt"/>
+        <a:ea typeface="+mn-ea"/>
+        <a:cs typeface="+mn-cs"/>
+      </a:defRPr>
+    </a:lvl7pPr>
+    <a:lvl8pPr marL="3200400" algn="l" defTabSz="914400" rtl="0" eaLnBrk="1" latinLnBrk="0" hangingPunct="1">
+      <a:defRPr sz="1200" kern="1200">
+        <a:solidFill>
+          <a:schemeClr val="tx1"/>
+        </a:solidFill>
+        <a:latin typeface="+mn-lt"/>
+        <a:ea typeface="+mn-ea"/>
+        <a:cs typeface="+mn-cs"/>
+      </a:defRPr>
+    </a:lvl8pPr>
+    <a:lvl9pPr marL="3657600" algn="l" defTabSz="914400" rtl="0" eaLnBrk="1" latinLnBrk="0" hangingPunct="1">
+      <a:defRPr sz="1200" kern="1200">
+        <a:solidFill>
+          <a:schemeClr val="tx1"/>
+        </a:solidFill>
+        <a:latin typeface="+mn-lt"/>
+        <a:ea typeface="+mn-ea"/>
+        <a:cs typeface="+mn-cs"/>
+      </a:defRPr>
+    </a:lvl9pPr>
+  </p:notesStyle>
+</p:notesMaster>
+</file>
+
+<file path=ppt/notesSlides/notesSlide1.xml><?xml version="1.0" encoding="utf-8"?>
+<p:notes xmlns:a="http://schemas.openxmlformats.org/drawingml/2006/main" xmlns:r="http://schemas.openxmlformats.org/officeDocument/2006/relationships" xmlns:p="http://schemas.openxmlformats.org/presentationml/2006/main">
+  <p:cSld>
+    <p:spTree>
+      <p:nvGrpSpPr>
+        <p:cNvPr id="1" name=""/>
+        <p:cNvGrpSpPr/>
+        <p:nvPr/>
+      </p:nvGrpSpPr>
+      <p:grpSpPr>
+        <a:xfrm>
+          <a:off x="0" y="0"/>
+          <a:ext cx="0" cy="0"/>
+          <a:chOff x="0" y="0"/>
+          <a:chExt cx="0" cy="0"/>
+        </a:xfrm>
+      </p:grpSpPr>
+      <p:sp>
+        <p:nvSpPr>
+          <p:cNvPr id="2" name="Segnaposto immagine diapositiva 1"/>
+          <p:cNvSpPr>
+            <a:spLocks noGrp="1" noRot="1" noChangeAspect="1"/>
+          </p:cNvSpPr>
+          <p:nvPr>
+            <p:ph type="sldImg"/>
+          </p:nvPr>
+        </p:nvSpPr>
+        <p:spPr/>
+      </p:sp>
+      <p:sp>
+        <p:nvSpPr>
+          <p:cNvPr id="3" name="Segnaposto note 2"/>
+          <p:cNvSpPr>
+            <a:spLocks noGrp="1"/>
+          </p:cNvSpPr>
+          <p:nvPr>
+            <p:ph type="body" idx="1"/>
+          </p:nvPr>
+        </p:nvSpPr>
+        <p:spPr/>
+        <p:txBody>
+          <a:bodyPr/>
+          <a:lstStyle/>
+          <a:p>
+            <a:r>
+              <a:rPr lang="it-IT" dirty="0"/>
+              <a:t>Prova di note</a:t>
+            </a:r>
+          </a:p>
+          <a:p>
+            <a:r>
+              <a:rPr lang="it-IT" dirty="0" err="1"/>
+              <a:t>Asdadsad</a:t>
+            </a:r>
+            <a:endParaRPr lang="it-IT" dirty="0"/>
+          </a:p>
+          <a:p>
+            <a:r>
+              <a:rPr lang="it-IT" dirty="0" err="1"/>
+              <a:t>Asdasdasd</a:t>
+            </a:r>
+            <a:endParaRPr lang="it-IT" dirty="0"/>
+          </a:p>
+          <a:p>
+            <a:r>
+              <a:rPr lang="it-IT" dirty="0" err="1"/>
+              <a:t>asdads</a:t>
+            </a:r>
+            <a:endParaRPr lang="it-IT" dirty="0"/>
+          </a:p>
+        </p:txBody>
+      </p:sp>
+      <p:sp>
+        <p:nvSpPr>
+          <p:cNvPr id="4" name="Segnaposto numero diapositiva 3"/>
+          <p:cNvSpPr>
+            <a:spLocks noGrp="1"/>
+          </p:cNvSpPr>
+          <p:nvPr>
+            <p:ph type="sldNum" sz="quarter" idx="5"/>
+          </p:nvPr>
+        </p:nvSpPr>
+        <p:spPr/>
+        <p:txBody>
+          <a:bodyPr/>
+          <a:lstStyle/>
+          <a:p>
+            <a:fld id="{73A32062-870E-4C43-8F6C-7C2485306BE5}" type="slidenum">
+              <a:rPr lang="it-IT" smtClean="0"/>
+              <a:t>1</a:t>
+            </a:fld>
+            <a:endParaRPr lang="it-IT"/>
+          </a:p>
+        </p:txBody>
+      </p:sp>
+    </p:spTree>
+    <p:extLst>
+      <p:ext uri="{BB962C8B-B14F-4D97-AF65-F5344CB8AC3E}">
+        <p14:creationId xmlns:p14="http://schemas.microsoft.com/office/powerpoint/2010/main" val="938253795"/>
+      </p:ext>
+    </p:extLst>
+  </p:cSld>
+  <p:clrMapOvr>
+    <a:masterClrMapping/>
+  </p:clrMapOvr>
+</p:notes>
+</file>
+
+<file path=ppt/notesSlides/notesSlide2.xml><?xml version="1.0" encoding="utf-8"?>
+<p:notes xmlns:a="http://schemas.openxmlformats.org/drawingml/2006/main" xmlns:r="http://schemas.openxmlformats.org/officeDocument/2006/relationships" xmlns:p="http://schemas.openxmlformats.org/presentationml/2006/main">
+  <p:cSld>
+    <p:spTree>
+      <p:nvGrpSpPr>
+        <p:cNvPr id="1" name=""/>
+        <p:cNvGrpSpPr/>
+        <p:nvPr/>
+      </p:nvGrpSpPr>
+      <p:grpSpPr>
+        <a:xfrm>
+          <a:off x="0" y="0"/>
+          <a:ext cx="0" cy="0"/>
+          <a:chOff x="0" y="0"/>
+          <a:chExt cx="0" cy="0"/>
+        </a:xfrm>
+      </p:grpSpPr>
+      <p:sp>
+        <p:nvSpPr>
+          <p:cNvPr id="2" name="Segnaposto immagine diapositiva 1"/>
+          <p:cNvSpPr>
+            <a:spLocks noGrp="1" noRot="1" noChangeAspect="1"/>
+          </p:cNvSpPr>
+          <p:nvPr>
+            <p:ph type="sldImg"/>
+          </p:nvPr>
+        </p:nvSpPr>
+        <p:spPr/>
+      </p:sp>
+      <p:sp>
+        <p:nvSpPr>
+          <p:cNvPr id="3" name="Segnaposto note 2"/>
+          <p:cNvSpPr>
+            <a:spLocks noGrp="1"/>
+          </p:cNvSpPr>
+          <p:nvPr>
+            <p:ph type="body" idx="1"/>
+          </p:nvPr>
+        </p:nvSpPr>
+        <p:spPr/>
+        <p:txBody>
+          <a:bodyPr/>
+          <a:lstStyle/>
+          <a:p>
+            <a:r>
+              <a:rPr lang="it-IT" dirty="0"/>
+              <a:t>Prova nota</a:t>
+            </a:r>
+          </a:p>
+        </p:txBody>
+      </p:sp>
+      <p:sp>
+        <p:nvSpPr>
+          <p:cNvPr id="4" name="Segnaposto numero diapositiva 3"/>
+          <p:cNvSpPr>
+            <a:spLocks noGrp="1"/>
+          </p:cNvSpPr>
+          <p:nvPr>
+            <p:ph type="sldNum" sz="quarter" idx="5"/>
+          </p:nvPr>
+        </p:nvSpPr>
+        <p:spPr/>
+        <p:txBody>
+          <a:bodyPr/>
+          <a:lstStyle/>
+          <a:p>
+            <a:fld id="{73A32062-870E-4C43-8F6C-7C2485306BE5}" type="slidenum">
+              <a:rPr lang="it-IT" smtClean="0"/>
+              <a:t>4</a:t>
+            </a:fld>
+            <a:endParaRPr lang="it-IT"/>
+          </a:p>
+        </p:txBody>
+      </p:sp>
+    </p:spTree>
+    <p:extLst>
+      <p:ext uri="{BB962C8B-B14F-4D97-AF65-F5344CB8AC3E}">
+        <p14:creationId xmlns:p14="http://schemas.microsoft.com/office/powerpoint/2010/main" val="3254907176"/>
+      </p:ext>
+    </p:extLst>
+  </p:cSld>
+  <p:clrMapOvr>
+    <a:masterClrMapping/>
+  </p:clrMapOvr>
+</p:notes>
 </file>
 
 <file path=ppt/slideLayouts/slideLayout1.xml><?xml version="1.0" encoding="utf-8"?>
@@ -294,7 +1092,7 @@
           <a:p>
             <a:fld id="{D77B27C8-DF53-4394-B867-71A591A11B25}" type="datetimeFigureOut">
               <a:rPr lang="it-IT" smtClean="0"/>
-              <a:t>17/set/2021</a:t>
+              <a:t>18/set/2021</a:t>
             </a:fld>
             <a:endParaRPr lang="it-IT"/>
           </a:p>
@@ -492,7 +1290,7 @@
           <a:p>
             <a:fld id="{D77B27C8-DF53-4394-B867-71A591A11B25}" type="datetimeFigureOut">
               <a:rPr lang="it-IT" smtClean="0"/>
-              <a:t>17/set/2021</a:t>
+              <a:t>18/set/2021</a:t>
             </a:fld>
             <a:endParaRPr lang="it-IT"/>
           </a:p>
@@ -700,7 +1498,7 @@
           <a:p>
             <a:fld id="{D77B27C8-DF53-4394-B867-71A591A11B25}" type="datetimeFigureOut">
               <a:rPr lang="it-IT" smtClean="0"/>
-              <a:t>17/set/2021</a:t>
+              <a:t>18/set/2021</a:t>
             </a:fld>
             <a:endParaRPr lang="it-IT"/>
           </a:p>
@@ -908,7 +1706,7 @@
           <a:p>
             <a:fld id="{D77B27C8-DF53-4394-B867-71A591A11B25}" type="datetimeFigureOut">
               <a:rPr lang="it-IT" smtClean="0"/>
-              <a:t>17/set/2021</a:t>
+              <a:t>18/set/2021</a:t>
             </a:fld>
             <a:endParaRPr lang="it-IT"/>
           </a:p>
@@ -1183,7 +1981,7 @@
           <a:p>
             <a:fld id="{D77B27C8-DF53-4394-B867-71A591A11B25}" type="datetimeFigureOut">
               <a:rPr lang="it-IT" smtClean="0"/>
-              <a:t>17/set/2021</a:t>
+              <a:t>18/set/2021</a:t>
             </a:fld>
             <a:endParaRPr lang="it-IT"/>
           </a:p>
@@ -1448,7 +2246,7 @@
           <a:p>
             <a:fld id="{D77B27C8-DF53-4394-B867-71A591A11B25}" type="datetimeFigureOut">
               <a:rPr lang="it-IT" smtClean="0"/>
-              <a:t>17/set/2021</a:t>
+              <a:t>18/set/2021</a:t>
             </a:fld>
             <a:endParaRPr lang="it-IT"/>
           </a:p>
@@ -1860,7 +2658,7 @@
           <a:p>
             <a:fld id="{D77B27C8-DF53-4394-B867-71A591A11B25}" type="datetimeFigureOut">
               <a:rPr lang="it-IT" smtClean="0"/>
-              <a:t>17/set/2021</a:t>
+              <a:t>18/set/2021</a:t>
             </a:fld>
             <a:endParaRPr lang="it-IT"/>
           </a:p>
@@ -2001,7 +2799,7 @@
           <a:p>
             <a:fld id="{D77B27C8-DF53-4394-B867-71A591A11B25}" type="datetimeFigureOut">
               <a:rPr lang="it-IT" smtClean="0"/>
-              <a:t>17/set/2021</a:t>
+              <a:t>18/set/2021</a:t>
             </a:fld>
             <a:endParaRPr lang="it-IT"/>
           </a:p>
@@ -2114,7 +2912,7 @@
           <a:p>
             <a:fld id="{D77B27C8-DF53-4394-B867-71A591A11B25}" type="datetimeFigureOut">
               <a:rPr lang="it-IT" smtClean="0"/>
-              <a:t>17/set/2021</a:t>
+              <a:t>18/set/2021</a:t>
             </a:fld>
             <a:endParaRPr lang="it-IT"/>
           </a:p>
@@ -2425,7 +3223,7 @@
           <a:p>
             <a:fld id="{D77B27C8-DF53-4394-B867-71A591A11B25}" type="datetimeFigureOut">
               <a:rPr lang="it-IT" smtClean="0"/>
-              <a:t>17/set/2021</a:t>
+              <a:t>18/set/2021</a:t>
             </a:fld>
             <a:endParaRPr lang="it-IT"/>
           </a:p>
@@ -2713,7 +3511,7 @@
           <a:p>
             <a:fld id="{D77B27C8-DF53-4394-B867-71A591A11B25}" type="datetimeFigureOut">
               <a:rPr lang="it-IT" smtClean="0"/>
-              <a:t>17/set/2021</a:t>
+              <a:t>18/set/2021</a:t>
             </a:fld>
             <a:endParaRPr lang="it-IT"/>
           </a:p>
@@ -2954,7 +3752,7 @@
           <a:p>
             <a:fld id="{D77B27C8-DF53-4394-B867-71A591A11B25}" type="datetimeFigureOut">
               <a:rPr lang="it-IT" smtClean="0"/>
-              <a:t>17/set/2021</a:t>
+              <a:t>18/set/2021</a:t>
             </a:fld>
             <a:endParaRPr lang="it-IT"/>
           </a:p>
@@ -3426,7 +4224,7 @@
         </p:nvSpPr>
         <p:spPr>
           <a:xfrm>
-            <a:off x="1524000" y="3568268"/>
+            <a:off x="1533331" y="3577599"/>
             <a:ext cx="9144000" cy="1192153"/>
           </a:xfrm>
         </p:spPr>
@@ -3595,7 +4393,7 @@
           <p:nvPr/>
         </p:nvPicPr>
         <p:blipFill>
-          <a:blip r:embed="rId2">
+          <a:blip r:embed="rId3">
             <a:extLst>
               <a:ext uri="{28A0092B-C50C-407E-A947-70E740481C1C}">
                 <a14:useLocalDpi xmlns:a14="http://schemas.microsoft.com/office/drawing/2010/main" val="0"/>
@@ -3705,7 +4503,9 @@
           </a:xfrm>
         </p:spPr>
         <p:txBody>
-          <a:bodyPr/>
+          <a:bodyPr>
+            <a:normAutofit/>
+          </a:bodyPr>
           <a:lstStyle/>
           <a:p>
             <a:pPr>
@@ -3718,7 +4518,7 @@
                 <a:latin typeface="Times New Roman" panose="02020603050405020304" pitchFamily="18" charset="0"/>
                 <a:cs typeface="Times New Roman" panose="02020603050405020304" pitchFamily="18" charset="0"/>
               </a:rPr>
-              <a:t>Scalabilità del servizio</a:t>
+              <a:t>Metodo di sviluppo</a:t>
             </a:r>
           </a:p>
           <a:p>
@@ -3732,7 +4532,7 @@
                 <a:latin typeface="Times New Roman" panose="02020603050405020304" pitchFamily="18" charset="0"/>
                 <a:cs typeface="Times New Roman" panose="02020603050405020304" pitchFamily="18" charset="0"/>
               </a:rPr>
-              <a:t>Metodo di sviluppo</a:t>
+              <a:t>Scalabilità del servizio</a:t>
             </a:r>
           </a:p>
           <a:p>
@@ -3766,6 +4566,72 @@
     <p:extLst>
       <p:ext uri="{BB962C8B-B14F-4D97-AF65-F5344CB8AC3E}">
         <p14:creationId xmlns:p14="http://schemas.microsoft.com/office/powerpoint/2010/main" val="1872494099"/>
+      </p:ext>
+    </p:extLst>
+  </p:cSld>
+  <p:clrMapOvr>
+    <a:masterClrMapping/>
+  </p:clrMapOvr>
+</p:sld>
+</file>
+
+<file path=ppt/slides/slide11.xml><?xml version="1.0" encoding="utf-8"?>
+<p:sld xmlns:a="http://schemas.openxmlformats.org/drawingml/2006/main" xmlns:r="http://schemas.openxmlformats.org/officeDocument/2006/relationships" xmlns:p="http://schemas.openxmlformats.org/presentationml/2006/main">
+  <p:cSld>
+    <p:spTree>
+      <p:nvGrpSpPr>
+        <p:cNvPr id="1" name=""/>
+        <p:cNvGrpSpPr/>
+        <p:nvPr/>
+      </p:nvGrpSpPr>
+      <p:grpSpPr>
+        <a:xfrm>
+          <a:off x="0" y="0"/>
+          <a:ext cx="0" cy="0"/>
+          <a:chOff x="0" y="0"/>
+          <a:chExt cx="0" cy="0"/>
+        </a:xfrm>
+      </p:grpSpPr>
+      <p:sp>
+        <p:nvSpPr>
+          <p:cNvPr id="2" name="Titolo 1">
+            <a:extLst>
+              <a:ext uri="{FF2B5EF4-FFF2-40B4-BE49-F238E27FC236}">
+                <a16:creationId xmlns:a16="http://schemas.microsoft.com/office/drawing/2014/main" id="{E3313D06-F9E8-4504-8027-4B8B1787BFE9}"/>
+              </a:ext>
+            </a:extLst>
+          </p:cNvPr>
+          <p:cNvSpPr>
+            <a:spLocks noGrp="1"/>
+          </p:cNvSpPr>
+          <p:nvPr>
+            <p:ph type="title"/>
+          </p:nvPr>
+        </p:nvSpPr>
+        <p:spPr>
+          <a:xfrm>
+            <a:off x="3417655" y="2979413"/>
+            <a:ext cx="5356690" cy="899173"/>
+          </a:xfrm>
+        </p:spPr>
+        <p:txBody>
+          <a:bodyPr/>
+          <a:lstStyle/>
+          <a:p>
+            <a:r>
+              <a:rPr lang="it-IT" dirty="0">
+                <a:latin typeface="Times New Roman" panose="02020603050405020304" pitchFamily="18" charset="0"/>
+                <a:cs typeface="Times New Roman" panose="02020603050405020304" pitchFamily="18" charset="0"/>
+              </a:rPr>
+              <a:t>Grazie per l’attenzione</a:t>
+            </a:r>
+          </a:p>
+        </p:txBody>
+      </p:sp>
+    </p:spTree>
+    <p:extLst>
+      <p:ext uri="{BB962C8B-B14F-4D97-AF65-F5344CB8AC3E}">
+        <p14:creationId xmlns:p14="http://schemas.microsoft.com/office/powerpoint/2010/main" val="4074733934"/>
       </p:ext>
     </p:extLst>
   </p:cSld>
@@ -3820,7 +4686,7 @@
           <a:p>
             <a:pPr>
               <a:lnSpc>
-                <a:spcPct val="150000"/>
+                <a:spcPct val="300000"/>
               </a:lnSpc>
             </a:pPr>
             <a:r>
@@ -3834,7 +4700,7 @@
           <a:p>
             <a:pPr>
               <a:lnSpc>
-                <a:spcPct val="150000"/>
+                <a:spcPct val="300000"/>
               </a:lnSpc>
             </a:pPr>
             <a:r>
@@ -3848,7 +4714,7 @@
           <a:p>
             <a:pPr>
               <a:lnSpc>
-                <a:spcPct val="150000"/>
+                <a:spcPct val="300000"/>
               </a:lnSpc>
             </a:pPr>
             <a:r>
@@ -3856,32 +4722,7 @@
                 <a:latin typeface="Times New Roman" panose="02020603050405020304" pitchFamily="18" charset="0"/>
                 <a:cs typeface="Times New Roman" panose="02020603050405020304" pitchFamily="18" charset="0"/>
               </a:rPr>
-              <a:t>Statistiche</a:t>
-            </a:r>
-          </a:p>
-          <a:p>
-            <a:pPr>
-              <a:lnSpc>
-                <a:spcPct val="150000"/>
-              </a:lnSpc>
-            </a:pPr>
-            <a:endParaRPr lang="it-IT" dirty="0">
-              <a:latin typeface="Times New Roman" panose="02020603050405020304" pitchFamily="18" charset="0"/>
-              <a:cs typeface="Times New Roman" panose="02020603050405020304" pitchFamily="18" charset="0"/>
-            </a:endParaRPr>
-          </a:p>
-          <a:p>
-            <a:pPr>
-              <a:lnSpc>
-                <a:spcPct val="150000"/>
-              </a:lnSpc>
-            </a:pPr>
-            <a:r>
-              <a:rPr lang="it-IT" dirty="0">
-                <a:latin typeface="Times New Roman" panose="02020603050405020304" pitchFamily="18" charset="0"/>
-                <a:cs typeface="Times New Roman" panose="02020603050405020304" pitchFamily="18" charset="0"/>
-              </a:rPr>
-              <a:t>Scopo della tesi</a:t>
+              <a:t>Profilazione clienti</a:t>
             </a:r>
           </a:p>
         </p:txBody>
@@ -4041,7 +4882,9 @@
           </a:xfrm>
         </p:spPr>
         <p:txBody>
-          <a:bodyPr/>
+          <a:bodyPr>
+            <a:normAutofit/>
+          </a:bodyPr>
           <a:lstStyle/>
           <a:p>
             <a:pPr>
@@ -4054,8 +4897,50 @@
                 <a:latin typeface="Times New Roman" panose="02020603050405020304" pitchFamily="18" charset="0"/>
                 <a:cs typeface="Times New Roman" panose="02020603050405020304" pitchFamily="18" charset="0"/>
               </a:rPr>
-              <a:t>Obiettivi del servizio</a:t>
-            </a:r>
+              <a:t>Obiettivi del servizio:</a:t>
+            </a:r>
+          </a:p>
+          <a:p>
+            <a:pPr marL="457200" lvl="1" indent="0">
+              <a:lnSpc>
+                <a:spcPct val="120000"/>
+              </a:lnSpc>
+              <a:buNone/>
+            </a:pPr>
+            <a:r>
+              <a:rPr lang="it-IT" dirty="0">
+                <a:latin typeface="Times New Roman" panose="02020603050405020304" pitchFamily="18" charset="0"/>
+                <a:cs typeface="Times New Roman" panose="02020603050405020304" pitchFamily="18" charset="0"/>
+              </a:rPr>
+              <a:t>- facilità d’uso</a:t>
+            </a:r>
+          </a:p>
+          <a:p>
+            <a:pPr lvl="1">
+              <a:lnSpc>
+                <a:spcPct val="120000"/>
+              </a:lnSpc>
+              <a:buFontTx/>
+              <a:buChar char="-"/>
+            </a:pPr>
+            <a:r>
+              <a:rPr lang="it-IT" dirty="0">
+                <a:latin typeface="Times New Roman" panose="02020603050405020304" pitchFamily="18" charset="0"/>
+                <a:cs typeface="Times New Roman" panose="02020603050405020304" pitchFamily="18" charset="0"/>
+              </a:rPr>
+              <a:t>approccio user-</a:t>
+            </a:r>
+            <a:r>
+              <a:rPr lang="it-IT" dirty="0" err="1">
+                <a:latin typeface="Times New Roman" panose="02020603050405020304" pitchFamily="18" charset="0"/>
+                <a:cs typeface="Times New Roman" panose="02020603050405020304" pitchFamily="18" charset="0"/>
+              </a:rPr>
+              <a:t>centric</a:t>
+            </a:r>
+            <a:endParaRPr lang="it-IT" dirty="0">
+              <a:latin typeface="Times New Roman" panose="02020603050405020304" pitchFamily="18" charset="0"/>
+              <a:cs typeface="Times New Roman" panose="02020603050405020304" pitchFamily="18" charset="0"/>
+            </a:endParaRPr>
           </a:p>
           <a:p>
             <a:pPr>
@@ -4068,7 +4953,7 @@
                 <a:latin typeface="Times New Roman" panose="02020603050405020304" pitchFamily="18" charset="0"/>
                 <a:cs typeface="Times New Roman" panose="02020603050405020304" pitchFamily="18" charset="0"/>
               </a:rPr>
-              <a:t>Dispositivi impiegati (tablet e smartphone)</a:t>
+              <a:t>Requisiti hardware e software dei dispositivi coinvolti</a:t>
             </a:r>
           </a:p>
           <a:p>
@@ -4168,7 +5053,7 @@
           <p:nvPr/>
         </p:nvPicPr>
         <p:blipFill>
-          <a:blip r:embed="rId2">
+          <a:blip r:embed="rId3">
             <a:extLst>
               <a:ext uri="{28A0092B-C50C-407E-A947-70E740481C1C}">
                 <a14:useLocalDpi xmlns:a14="http://schemas.microsoft.com/office/drawing/2010/main" val="0"/>
@@ -4204,7 +5089,7 @@
           <p:nvPr/>
         </p:nvPicPr>
         <p:blipFill>
-          <a:blip r:embed="rId3"/>
+          <a:blip r:embed="rId4"/>
           <a:stretch>
             <a:fillRect/>
           </a:stretch>
@@ -4234,7 +5119,7 @@
           <p:nvPr/>
         </p:nvPicPr>
         <p:blipFill>
-          <a:blip r:embed="rId4"/>
+          <a:blip r:embed="rId5"/>
           <a:stretch>
             <a:fillRect/>
           </a:stretch>
@@ -4596,7 +5481,7 @@
         </p:nvSpPr>
         <p:spPr>
           <a:xfrm>
-            <a:off x="733879" y="1694409"/>
+            <a:off x="588264" y="1263541"/>
             <a:ext cx="11804780" cy="5325058"/>
           </a:xfrm>
         </p:spPr>
@@ -4606,7 +5491,7 @@
           <a:p>
             <a:pPr>
               <a:lnSpc>
-                <a:spcPct val="300000"/>
+                <a:spcPct val="250000"/>
               </a:lnSpc>
             </a:pPr>
             <a:r>
@@ -4620,7 +5505,7 @@
           <a:p>
             <a:pPr>
               <a:lnSpc>
-                <a:spcPct val="300000"/>
+                <a:spcPct val="250000"/>
               </a:lnSpc>
             </a:pPr>
             <a:r>
@@ -4639,10 +5524,10 @@
       </p:sp>
       <p:pic>
         <p:nvPicPr>
-          <p:cNvPr id="7" name="Immagine 6">
-            <a:extLst>
-              <a:ext uri="{FF2B5EF4-FFF2-40B4-BE49-F238E27FC236}">
-                <a16:creationId xmlns:a16="http://schemas.microsoft.com/office/drawing/2014/main" id="{40CF9A76-FB65-470A-B9E4-491082145B50}"/>
+          <p:cNvPr id="8" name="Immagine 7">
+            <a:extLst>
+              <a:ext uri="{FF2B5EF4-FFF2-40B4-BE49-F238E27FC236}">
+                <a16:creationId xmlns:a16="http://schemas.microsoft.com/office/drawing/2014/main" id="{9A247B4D-1D4A-4967-9059-8DE0857F1178}"/>
               </a:ext>
             </a:extLst>
           </p:cNvPr>
@@ -4652,15 +5537,21 @@
           <p:nvPr/>
         </p:nvPicPr>
         <p:blipFill>
-          <a:blip r:embed="rId2"/>
+          <a:blip r:embed="rId2">
+            <a:extLst>
+              <a:ext uri="{28A0092B-C50C-407E-A947-70E740481C1C}">
+                <a14:useLocalDpi xmlns:a14="http://schemas.microsoft.com/office/drawing/2010/main" val="0"/>
+              </a:ext>
+            </a:extLst>
+          </a:blip>
           <a:stretch>
             <a:fillRect/>
           </a:stretch>
         </p:blipFill>
         <p:spPr>
           <a:xfrm>
-            <a:off x="3517116" y="2688186"/>
-            <a:ext cx="7517483" cy="3337503"/>
+            <a:off x="718893" y="3612033"/>
+            <a:ext cx="6541602" cy="2508120"/>
           </a:xfrm>
           <a:prstGeom prst="rect">
             <a:avLst/>
@@ -4762,13 +5653,6 @@
             <a:noFill/>
           </a:ln>
           <a:extLst>
-            <a:ext uri="{909E8E84-426E-40DD-AFC4-6F175D3DCCD1}">
-              <a14:hiddenFill xmlns:a14="http://schemas.microsoft.com/office/drawing/2010/main">
-                <a:solidFill>
-                  <a:srgbClr val="FFFFFF"/>
-                </a:solidFill>
-              </a14:hiddenFill>
-            </a:ext>
             <a:ext uri="{91240B29-F687-4F45-9708-019B960494DF}">
               <a14:hiddenLine xmlns:a14="http://schemas.microsoft.com/office/drawing/2010/main" w="9525">
                 <a:solidFill>
@@ -5238,4 +6122,299 @@
     </a:ext>
   </a:extLst>
 </a:theme>
+</file>
+
+<file path=ppt/theme/theme2.xml><?xml version="1.0" encoding="utf-8"?>
+<a:theme xmlns:a="http://schemas.openxmlformats.org/drawingml/2006/main" name="Tema di Office">
+  <a:themeElements>
+    <a:clrScheme name="Office">
+      <a:dk1>
+        <a:sysClr val="windowText" lastClr="000000"/>
+      </a:dk1>
+      <a:lt1>
+        <a:sysClr val="window" lastClr="FFFFFF"/>
+      </a:lt1>
+      <a:dk2>
+        <a:srgbClr val="44546A"/>
+      </a:dk2>
+      <a:lt2>
+        <a:srgbClr val="E7E6E6"/>
+      </a:lt2>
+      <a:accent1>
+        <a:srgbClr val="4472C4"/>
+      </a:accent1>
+      <a:accent2>
+        <a:srgbClr val="ED7D31"/>
+      </a:accent2>
+      <a:accent3>
+        <a:srgbClr val="A5A5A5"/>
+      </a:accent3>
+      <a:accent4>
+        <a:srgbClr val="FFC000"/>
+      </a:accent4>
+      <a:accent5>
+        <a:srgbClr val="5B9BD5"/>
+      </a:accent5>
+      <a:accent6>
+        <a:srgbClr val="70AD47"/>
+      </a:accent6>
+      <a:hlink>
+        <a:srgbClr val="0563C1"/>
+      </a:hlink>
+      <a:folHlink>
+        <a:srgbClr val="954F72"/>
+      </a:folHlink>
+    </a:clrScheme>
+    <a:fontScheme name="Office">
+      <a:majorFont>
+        <a:latin typeface="Calibri Light" panose="020F0302020204030204"/>
+        <a:ea typeface=""/>
+        <a:cs typeface=""/>
+        <a:font script="Jpan" typeface="游ゴシック Light"/>
+        <a:font script="Hang" typeface="맑은 고딕"/>
+        <a:font script="Hans" typeface="等线 Light"/>
+        <a:font script="Hant" typeface="新細明體"/>
+        <a:font script="Arab" typeface="Times New Roman"/>
+        <a:font script="Hebr" typeface="Times New Roman"/>
+        <a:font script="Thai" typeface="Angsana New"/>
+        <a:font script="Ethi" typeface="Nyala"/>
+        <a:font script="Beng" typeface="Vrinda"/>
+        <a:font script="Gujr" typeface="Shruti"/>
+        <a:font script="Khmr" typeface="MoolBoran"/>
+        <a:font script="Knda" typeface="Tunga"/>
+        <a:font script="Guru" typeface="Raavi"/>
+        <a:font script="Cans" typeface="Euphemia"/>
+        <a:font script="Cher" typeface="Plantagenet Cherokee"/>
+        <a:font script="Yiii" typeface="Microsoft Yi Baiti"/>
+        <a:font script="Tibt" typeface="Microsoft Himalaya"/>
+        <a:font script="Thaa" typeface="MV Boli"/>
+        <a:font script="Deva" typeface="Mangal"/>
+        <a:font script="Telu" typeface="Gautami"/>
+        <a:font script="Taml" typeface="Latha"/>
+        <a:font script="Syrc" typeface="Estrangelo Edessa"/>
+        <a:font script="Orya" typeface="Kalinga"/>
+        <a:font script="Mlym" typeface="Kartika"/>
+        <a:font script="Laoo" typeface="DokChampa"/>
+        <a:font script="Sinh" typeface="Iskoola Pota"/>
+        <a:font script="Mong" typeface="Mongolian Baiti"/>
+        <a:font script="Viet" typeface="Times New Roman"/>
+        <a:font script="Uigh" typeface="Microsoft Uighur"/>
+        <a:font script="Geor" typeface="Sylfaen"/>
+        <a:font script="Armn" typeface="Arial"/>
+        <a:font script="Bugi" typeface="Leelawadee UI"/>
+        <a:font script="Bopo" typeface="Microsoft JhengHei"/>
+        <a:font script="Java" typeface="Javanese Text"/>
+        <a:font script="Lisu" typeface="Segoe UI"/>
+        <a:font script="Mymr" typeface="Myanmar Text"/>
+        <a:font script="Nkoo" typeface="Ebrima"/>
+        <a:font script="Olck" typeface="Nirmala UI"/>
+        <a:font script="Osma" typeface="Ebrima"/>
+        <a:font script="Phag" typeface="Phagspa"/>
+        <a:font script="Syrn" typeface="Estrangelo Edessa"/>
+        <a:font script="Syrj" typeface="Estrangelo Edessa"/>
+        <a:font script="Syre" typeface="Estrangelo Edessa"/>
+        <a:font script="Sora" typeface="Nirmala UI"/>
+        <a:font script="Tale" typeface="Microsoft Tai Le"/>
+        <a:font script="Talu" typeface="Microsoft New Tai Lue"/>
+        <a:font script="Tfng" typeface="Ebrima"/>
+      </a:majorFont>
+      <a:minorFont>
+        <a:latin typeface="Calibri" panose="020F0502020204030204"/>
+        <a:ea typeface=""/>
+        <a:cs typeface=""/>
+        <a:font script="Jpan" typeface="游ゴシック"/>
+        <a:font script="Hang" typeface="맑은 고딕"/>
+        <a:font script="Hans" typeface="等线"/>
+        <a:font script="Hant" typeface="新細明體"/>
+        <a:font script="Arab" typeface="Arial"/>
+        <a:font script="Hebr" typeface="Arial"/>
+        <a:font script="Thai" typeface="Cordia New"/>
+        <a:font script="Ethi" typeface="Nyala"/>
+        <a:font script="Beng" typeface="Vrinda"/>
+        <a:font script="Gujr" typeface="Shruti"/>
+        <a:font script="Khmr" typeface="DaunPenh"/>
+        <a:font script="Knda" typeface="Tunga"/>
+        <a:font script="Guru" typeface="Raavi"/>
+        <a:font script="Cans" typeface="Euphemia"/>
+        <a:font script="Cher" typeface="Plantagenet Cherokee"/>
+        <a:font script="Yiii" typeface="Microsoft Yi Baiti"/>
+        <a:font script="Tibt" typeface="Microsoft Himalaya"/>
+        <a:font script="Thaa" typeface="MV Boli"/>
+        <a:font script="Deva" typeface="Mangal"/>
+        <a:font script="Telu" typeface="Gautami"/>
+        <a:font script="Taml" typeface="Latha"/>
+        <a:font script="Syrc" typeface="Estrangelo Edessa"/>
+        <a:font script="Orya" typeface="Kalinga"/>
+        <a:font script="Mlym" typeface="Kartika"/>
+        <a:font script="Laoo" typeface="DokChampa"/>
+        <a:font script="Sinh" typeface="Iskoola Pota"/>
+        <a:font script="Mong" typeface="Mongolian Baiti"/>
+        <a:font script="Viet" typeface="Arial"/>
+        <a:font script="Uigh" typeface="Microsoft Uighur"/>
+        <a:font script="Geor" typeface="Sylfaen"/>
+        <a:font script="Armn" typeface="Arial"/>
+        <a:font script="Bugi" typeface="Leelawadee UI"/>
+        <a:font script="Bopo" typeface="Microsoft JhengHei"/>
+        <a:font script="Java" typeface="Javanese Text"/>
+        <a:font script="Lisu" typeface="Segoe UI"/>
+        <a:font script="Mymr" typeface="Myanmar Text"/>
+        <a:font script="Nkoo" typeface="Ebrima"/>
+        <a:font script="Olck" typeface="Nirmala UI"/>
+        <a:font script="Osma" typeface="Ebrima"/>
+        <a:font script="Phag" typeface="Phagspa"/>
+        <a:font script="Syrn" typeface="Estrangelo Edessa"/>
+        <a:font script="Syrj" typeface="Estrangelo Edessa"/>
+        <a:font script="Syre" typeface="Estrangelo Edessa"/>
+        <a:font script="Sora" typeface="Nirmala UI"/>
+        <a:font script="Tale" typeface="Microsoft Tai Le"/>
+        <a:font script="Talu" typeface="Microsoft New Tai Lue"/>
+        <a:font script="Tfng" typeface="Ebrima"/>
+      </a:minorFont>
+    </a:fontScheme>
+    <a:fmtScheme name="Office">
+      <a:fillStyleLst>
+        <a:solidFill>
+          <a:schemeClr val="phClr"/>
+        </a:solidFill>
+        <a:gradFill rotWithShape="1">
+          <a:gsLst>
+            <a:gs pos="0">
+              <a:schemeClr val="phClr">
+                <a:lumMod val="110000"/>
+                <a:satMod val="105000"/>
+                <a:tint val="67000"/>
+              </a:schemeClr>
+            </a:gs>
+            <a:gs pos="50000">
+              <a:schemeClr val="phClr">
+                <a:lumMod val="105000"/>
+                <a:satMod val="103000"/>
+                <a:tint val="73000"/>
+              </a:schemeClr>
+            </a:gs>
+            <a:gs pos="100000">
+              <a:schemeClr val="phClr">
+                <a:lumMod val="105000"/>
+                <a:satMod val="109000"/>
+                <a:tint val="81000"/>
+              </a:schemeClr>
+            </a:gs>
+          </a:gsLst>
+          <a:lin ang="5400000" scaled="0"/>
+        </a:gradFill>
+        <a:gradFill rotWithShape="1">
+          <a:gsLst>
+            <a:gs pos="0">
+              <a:schemeClr val="phClr">
+                <a:satMod val="103000"/>
+                <a:lumMod val="102000"/>
+                <a:tint val="94000"/>
+              </a:schemeClr>
+            </a:gs>
+            <a:gs pos="50000">
+              <a:schemeClr val="phClr">
+                <a:satMod val="110000"/>
+                <a:lumMod val="100000"/>
+                <a:shade val="100000"/>
+              </a:schemeClr>
+            </a:gs>
+            <a:gs pos="100000">
+              <a:schemeClr val="phClr">
+                <a:lumMod val="99000"/>
+                <a:satMod val="120000"/>
+                <a:shade val="78000"/>
+              </a:schemeClr>
+            </a:gs>
+          </a:gsLst>
+          <a:lin ang="5400000" scaled="0"/>
+        </a:gradFill>
+      </a:fillStyleLst>
+      <a:lnStyleLst>
+        <a:ln w="6350" cap="flat" cmpd="sng" algn="ctr">
+          <a:solidFill>
+            <a:schemeClr val="phClr"/>
+          </a:solidFill>
+          <a:prstDash val="solid"/>
+          <a:miter lim="800000"/>
+        </a:ln>
+        <a:ln w="12700" cap="flat" cmpd="sng" algn="ctr">
+          <a:solidFill>
+            <a:schemeClr val="phClr"/>
+          </a:solidFill>
+          <a:prstDash val="solid"/>
+          <a:miter lim="800000"/>
+        </a:ln>
+        <a:ln w="19050" cap="flat" cmpd="sng" algn="ctr">
+          <a:solidFill>
+            <a:schemeClr val="phClr"/>
+          </a:solidFill>
+          <a:prstDash val="solid"/>
+          <a:miter lim="800000"/>
+        </a:ln>
+      </a:lnStyleLst>
+      <a:effectStyleLst>
+        <a:effectStyle>
+          <a:effectLst/>
+        </a:effectStyle>
+        <a:effectStyle>
+          <a:effectLst/>
+        </a:effectStyle>
+        <a:effectStyle>
+          <a:effectLst>
+            <a:outerShdw blurRad="57150" dist="19050" dir="5400000" algn="ctr" rotWithShape="0">
+              <a:srgbClr val="000000">
+                <a:alpha val="63000"/>
+              </a:srgbClr>
+            </a:outerShdw>
+          </a:effectLst>
+        </a:effectStyle>
+      </a:effectStyleLst>
+      <a:bgFillStyleLst>
+        <a:solidFill>
+          <a:schemeClr val="phClr"/>
+        </a:solidFill>
+        <a:solidFill>
+          <a:schemeClr val="phClr">
+            <a:tint val="95000"/>
+            <a:satMod val="170000"/>
+          </a:schemeClr>
+        </a:solidFill>
+        <a:gradFill rotWithShape="1">
+          <a:gsLst>
+            <a:gs pos="0">
+              <a:schemeClr val="phClr">
+                <a:tint val="93000"/>
+                <a:satMod val="150000"/>
+                <a:shade val="98000"/>
+                <a:lumMod val="102000"/>
+              </a:schemeClr>
+            </a:gs>
+            <a:gs pos="50000">
+              <a:schemeClr val="phClr">
+                <a:tint val="98000"/>
+                <a:satMod val="130000"/>
+                <a:shade val="90000"/>
+                <a:lumMod val="103000"/>
+              </a:schemeClr>
+            </a:gs>
+            <a:gs pos="100000">
+              <a:schemeClr val="phClr">
+                <a:shade val="63000"/>
+                <a:satMod val="120000"/>
+              </a:schemeClr>
+            </a:gs>
+          </a:gsLst>
+          <a:lin ang="5400000" scaled="0"/>
+        </a:gradFill>
+      </a:bgFillStyleLst>
+    </a:fmtScheme>
+  </a:themeElements>
+  <a:objectDefaults/>
+  <a:extraClrSchemeLst/>
+  <a:extLst>
+    <a:ext uri="{05A4C25C-085E-4340-85A3-A5531E510DB2}">
+      <thm15:themeFamily xmlns:thm15="http://schemas.microsoft.com/office/thememl/2012/main" name="Office Theme" id="{62F939B6-93AF-4DB8-9C6B-D6C7DFDC589F}" vid="{4A3C46E8-61CC-4603-A589-7422A47A8E4A}"/>
+    </a:ext>
+  </a:extLst>
+</a:theme>
 </file>
--- a/presentazione/Colussi_Davide_Presentazione.pptx
+++ b/presentazione/Colussi_Davide_Presentazione.pptx
@@ -5,7 +5,7 @@
     <p:sldMasterId id="2147483648" r:id="rId1"/>
   </p:sldMasterIdLst>
   <p:notesMasterIdLst>
-    <p:notesMasterId r:id="rId13"/>
+    <p:notesMasterId r:id="rId12"/>
   </p:notesMasterIdLst>
   <p:sldIdLst>
     <p:sldId id="256" r:id="rId2"/>
@@ -16,9 +16,8 @@
     <p:sldId id="261" r:id="rId7"/>
     <p:sldId id="263" r:id="rId8"/>
     <p:sldId id="265" r:id="rId9"/>
-    <p:sldId id="266" r:id="rId10"/>
-    <p:sldId id="264" r:id="rId11"/>
-    <p:sldId id="267" r:id="rId12"/>
+    <p:sldId id="264" r:id="rId10"/>
+    <p:sldId id="266" r:id="rId11"/>
   </p:sldIdLst>
   <p:sldSz cx="12192000" cy="6858000"/>
   <p:notesSz cx="6858000" cy="9144000"/>
@@ -355,21 +354,6 @@
 
 <file path=ppt/comments/comment7.xml><?xml version="1.0" encoding="utf-8"?>
 <p:cmLst xmlns:a="http://schemas.openxmlformats.org/drawingml/2006/main" xmlns:r="http://schemas.openxmlformats.org/officeDocument/2006/relationships" xmlns:p="http://schemas.openxmlformats.org/presentationml/2006/main">
-  <p:cm authorId="1" dt="2021-09-18T17:01:40.274" idx="18">
-    <p:pos x="10" y="10"/>
-    <p:text>Minor tempo di disservizio (o perlomeno in momenti in cui lo si può gestire).
-Per aggiornamenti massivi va bene, sono fatti in tempi diversi</p:text>
-    <p:extLst>
-      <p:ext uri="{C676402C-5697-4E1C-873F-D02D1690AC5C}">
-        <p15:threadingInfo xmlns:p15="http://schemas.microsoft.com/office/powerpoint/2012/main" timeZoneBias="-120"/>
-      </p:ext>
-    </p:extLst>
-  </p:cm>
-</p:cmLst>
-</file>
-
-<file path=ppt/comments/comment8.xml><?xml version="1.0" encoding="utf-8"?>
-<p:cmLst xmlns:a="http://schemas.openxmlformats.org/drawingml/2006/main" xmlns:r="http://schemas.openxmlformats.org/officeDocument/2006/relationships" xmlns:p="http://schemas.openxmlformats.org/presentationml/2006/main">
   <p:cm authorId="1" dt="2021-09-18T17:03:35.885" idx="19">
     <p:pos x="2609" y="1443"/>
     <p:text>Grazie al metodo di sviluppo descritto nella sezione utilizzato, in cui si è preferito implementare il servizio inizialmente solo con le sue funzionalità essenziali, è stato possibile verificare subito l'efficacia e scovare eventuali problemi.
@@ -390,7 +374,7 @@
     </p:extLst>
   </p:cm>
   <p:cm authorId="1" dt="2021-09-18T17:05:30.788" idx="21">
-    <p:pos x="2432" y="3008"/>
+    <p:pos x="2485" y="3308"/>
     <p:text>Grazie all’approccio utilizzato, in cui il riscontro dell’utente finale è la priorità, il servizio sarà progressivamente arricchito con funzionalità utili.</p:text>
     <p:extLst>
       <p:ext uri="{C676402C-5697-4E1C-873F-D02D1690AC5C}">
@@ -483,7 +467,7 @@
           <a:p>
             <a:fld id="{9ED42BBB-2F8A-4F64-A19D-490A25A04C21}" type="datetimeFigureOut">
               <a:rPr lang="it-IT" smtClean="0"/>
-              <a:t>18/set/2021</a:t>
+              <a:t>19/set/2021</a:t>
             </a:fld>
             <a:endParaRPr lang="it-IT"/>
           </a:p>
@@ -1092,7 +1076,7 @@
           <a:p>
             <a:fld id="{D77B27C8-DF53-4394-B867-71A591A11B25}" type="datetimeFigureOut">
               <a:rPr lang="it-IT" smtClean="0"/>
-              <a:t>18/set/2021</a:t>
+              <a:t>19/set/2021</a:t>
             </a:fld>
             <a:endParaRPr lang="it-IT"/>
           </a:p>
@@ -1290,7 +1274,7 @@
           <a:p>
             <a:fld id="{D77B27C8-DF53-4394-B867-71A591A11B25}" type="datetimeFigureOut">
               <a:rPr lang="it-IT" smtClean="0"/>
-              <a:t>18/set/2021</a:t>
+              <a:t>19/set/2021</a:t>
             </a:fld>
             <a:endParaRPr lang="it-IT"/>
           </a:p>
@@ -1498,7 +1482,7 @@
           <a:p>
             <a:fld id="{D77B27C8-DF53-4394-B867-71A591A11B25}" type="datetimeFigureOut">
               <a:rPr lang="it-IT" smtClean="0"/>
-              <a:t>18/set/2021</a:t>
+              <a:t>19/set/2021</a:t>
             </a:fld>
             <a:endParaRPr lang="it-IT"/>
           </a:p>
@@ -1706,7 +1690,7 @@
           <a:p>
             <a:fld id="{D77B27C8-DF53-4394-B867-71A591A11B25}" type="datetimeFigureOut">
               <a:rPr lang="it-IT" smtClean="0"/>
-              <a:t>18/set/2021</a:t>
+              <a:t>19/set/2021</a:t>
             </a:fld>
             <a:endParaRPr lang="it-IT"/>
           </a:p>
@@ -1981,7 +1965,7 @@
           <a:p>
             <a:fld id="{D77B27C8-DF53-4394-B867-71A591A11B25}" type="datetimeFigureOut">
               <a:rPr lang="it-IT" smtClean="0"/>
-              <a:t>18/set/2021</a:t>
+              <a:t>19/set/2021</a:t>
             </a:fld>
             <a:endParaRPr lang="it-IT"/>
           </a:p>
@@ -2246,7 +2230,7 @@
           <a:p>
             <a:fld id="{D77B27C8-DF53-4394-B867-71A591A11B25}" type="datetimeFigureOut">
               <a:rPr lang="it-IT" smtClean="0"/>
-              <a:t>18/set/2021</a:t>
+              <a:t>19/set/2021</a:t>
             </a:fld>
             <a:endParaRPr lang="it-IT"/>
           </a:p>
@@ -2658,7 +2642,7 @@
           <a:p>
             <a:fld id="{D77B27C8-DF53-4394-B867-71A591A11B25}" type="datetimeFigureOut">
               <a:rPr lang="it-IT" smtClean="0"/>
-              <a:t>18/set/2021</a:t>
+              <a:t>19/set/2021</a:t>
             </a:fld>
             <a:endParaRPr lang="it-IT"/>
           </a:p>
@@ -2799,7 +2783,7 @@
           <a:p>
             <a:fld id="{D77B27C8-DF53-4394-B867-71A591A11B25}" type="datetimeFigureOut">
               <a:rPr lang="it-IT" smtClean="0"/>
-              <a:t>18/set/2021</a:t>
+              <a:t>19/set/2021</a:t>
             </a:fld>
             <a:endParaRPr lang="it-IT"/>
           </a:p>
@@ -2912,7 +2896,7 @@
           <a:p>
             <a:fld id="{D77B27C8-DF53-4394-B867-71A591A11B25}" type="datetimeFigureOut">
               <a:rPr lang="it-IT" smtClean="0"/>
-              <a:t>18/set/2021</a:t>
+              <a:t>19/set/2021</a:t>
             </a:fld>
             <a:endParaRPr lang="it-IT"/>
           </a:p>
@@ -3223,7 +3207,7 @@
           <a:p>
             <a:fld id="{D77B27C8-DF53-4394-B867-71A591A11B25}" type="datetimeFigureOut">
               <a:rPr lang="it-IT" smtClean="0"/>
-              <a:t>18/set/2021</a:t>
+              <a:t>19/set/2021</a:t>
             </a:fld>
             <a:endParaRPr lang="it-IT"/>
           </a:p>
@@ -3511,7 +3495,7 @@
           <a:p>
             <a:fld id="{D77B27C8-DF53-4394-B867-71A591A11B25}" type="datetimeFigureOut">
               <a:rPr lang="it-IT" smtClean="0"/>
-              <a:t>18/set/2021</a:t>
+              <a:t>19/set/2021</a:t>
             </a:fld>
             <a:endParaRPr lang="it-IT"/>
           </a:p>
@@ -3752,7 +3736,7 @@
           <a:p>
             <a:fld id="{D77B27C8-DF53-4394-B867-71A591A11B25}" type="datetimeFigureOut">
               <a:rPr lang="it-IT" smtClean="0"/>
-              <a:t>18/set/2021</a:t>
+              <a:t>19/set/2021</a:t>
             </a:fld>
             <a:endParaRPr lang="it-IT"/>
           </a:p>
@@ -4449,7 +4433,7 @@
           <p:cNvPr id="2" name="Titolo 1">
             <a:extLst>
               <a:ext uri="{FF2B5EF4-FFF2-40B4-BE49-F238E27FC236}">
-                <a16:creationId xmlns:a16="http://schemas.microsoft.com/office/drawing/2014/main" id="{80EE97EF-0626-4DB4-9B67-8CD77BB32541}"/>
+                <a16:creationId xmlns:a16="http://schemas.microsoft.com/office/drawing/2014/main" id="{FB57F0F6-A8C4-42AA-9FD9-1C1F73979395}"/>
               </a:ext>
             </a:extLst>
           </p:cNvPr>
@@ -4462,176 +4446,30 @@
         </p:nvSpPr>
         <p:spPr>
           <a:xfrm>
-            <a:off x="690813" y="439743"/>
-            <a:ext cx="10515600" cy="862463"/>
+            <a:off x="5317283" y="2768000"/>
+            <a:ext cx="1557434" cy="1321999"/>
           </a:xfrm>
         </p:spPr>
         <p:txBody>
-          <a:bodyPr/>
-          <a:lstStyle/>
-          <a:p>
-            <a:r>
-              <a:rPr lang="it-IT" dirty="0">
+          <a:bodyPr>
+            <a:normAutofit/>
+          </a:bodyPr>
+          <a:lstStyle/>
+          <a:p>
+            <a:r>
+              <a:rPr lang="it-IT" sz="6000" dirty="0">
                 <a:latin typeface="Times New Roman" panose="02020603050405020304" pitchFamily="18" charset="0"/>
                 <a:cs typeface="Times New Roman" panose="02020603050405020304" pitchFamily="18" charset="0"/>
               </a:rPr>
-              <a:t>Conclusioni</a:t>
-            </a:r>
-          </a:p>
-        </p:txBody>
-      </p:sp>
-      <p:sp>
-        <p:nvSpPr>
-          <p:cNvPr id="4" name="Segnaposto contenuto 3">
-            <a:extLst>
-              <a:ext uri="{FF2B5EF4-FFF2-40B4-BE49-F238E27FC236}">
-                <a16:creationId xmlns:a16="http://schemas.microsoft.com/office/drawing/2014/main" id="{F35D2BEF-CD70-4095-AA5A-4B4ADC5A5253}"/>
-              </a:ext>
-            </a:extLst>
-          </p:cNvPr>
-          <p:cNvSpPr>
-            <a:spLocks noGrp="1"/>
-          </p:cNvSpPr>
-          <p:nvPr>
-            <p:ph idx="1"/>
-          </p:nvPr>
-        </p:nvSpPr>
-        <p:spPr>
-          <a:xfrm>
-            <a:off x="690813" y="1874982"/>
-            <a:ext cx="11804780" cy="5325058"/>
-          </a:xfrm>
-        </p:spPr>
-        <p:txBody>
-          <a:bodyPr>
-            <a:normAutofit/>
-          </a:bodyPr>
-          <a:lstStyle/>
-          <a:p>
-            <a:pPr>
-              <a:lnSpc>
-                <a:spcPct val="300000"/>
-              </a:lnSpc>
-            </a:pPr>
-            <a:r>
-              <a:rPr lang="it-IT" dirty="0">
-                <a:latin typeface="Times New Roman" panose="02020603050405020304" pitchFamily="18" charset="0"/>
-                <a:cs typeface="Times New Roman" panose="02020603050405020304" pitchFamily="18" charset="0"/>
-              </a:rPr>
-              <a:t>Metodo di sviluppo</a:t>
-            </a:r>
-          </a:p>
-          <a:p>
-            <a:pPr>
-              <a:lnSpc>
-                <a:spcPct val="300000"/>
-              </a:lnSpc>
-            </a:pPr>
-            <a:r>
-              <a:rPr lang="it-IT" dirty="0">
-                <a:latin typeface="Times New Roman" panose="02020603050405020304" pitchFamily="18" charset="0"/>
-                <a:cs typeface="Times New Roman" panose="02020603050405020304" pitchFamily="18" charset="0"/>
-              </a:rPr>
-              <a:t>Scalabilità del servizio</a:t>
-            </a:r>
-          </a:p>
-          <a:p>
-            <a:pPr>
-              <a:lnSpc>
-                <a:spcPct val="300000"/>
-              </a:lnSpc>
-            </a:pPr>
-            <a:r>
-              <a:rPr lang="it-IT" dirty="0">
-                <a:latin typeface="Times New Roman" panose="02020603050405020304" pitchFamily="18" charset="0"/>
-                <a:cs typeface="Times New Roman" panose="02020603050405020304" pitchFamily="18" charset="0"/>
-              </a:rPr>
-              <a:t>Nuove funzionalità</a:t>
-            </a:r>
-          </a:p>
-          <a:p>
-            <a:pPr>
-              <a:lnSpc>
-                <a:spcPct val="200000"/>
-              </a:lnSpc>
-            </a:pPr>
-            <a:endParaRPr lang="it-IT" dirty="0">
-              <a:latin typeface="Times New Roman" panose="02020603050405020304" pitchFamily="18" charset="0"/>
-              <a:cs typeface="Times New Roman" panose="02020603050405020304" pitchFamily="18" charset="0"/>
-            </a:endParaRPr>
+              <a:t>Fine</a:t>
+            </a:r>
           </a:p>
         </p:txBody>
       </p:sp>
     </p:spTree>
     <p:extLst>
       <p:ext uri="{BB962C8B-B14F-4D97-AF65-F5344CB8AC3E}">
-        <p14:creationId xmlns:p14="http://schemas.microsoft.com/office/powerpoint/2010/main" val="1872494099"/>
-      </p:ext>
-    </p:extLst>
-  </p:cSld>
-  <p:clrMapOvr>
-    <a:masterClrMapping/>
-  </p:clrMapOvr>
-</p:sld>
-</file>
-
-<file path=ppt/slides/slide11.xml><?xml version="1.0" encoding="utf-8"?>
-<p:sld xmlns:a="http://schemas.openxmlformats.org/drawingml/2006/main" xmlns:r="http://schemas.openxmlformats.org/officeDocument/2006/relationships" xmlns:p="http://schemas.openxmlformats.org/presentationml/2006/main">
-  <p:cSld>
-    <p:spTree>
-      <p:nvGrpSpPr>
-        <p:cNvPr id="1" name=""/>
-        <p:cNvGrpSpPr/>
-        <p:nvPr/>
-      </p:nvGrpSpPr>
-      <p:grpSpPr>
-        <a:xfrm>
-          <a:off x="0" y="0"/>
-          <a:ext cx="0" cy="0"/>
-          <a:chOff x="0" y="0"/>
-          <a:chExt cx="0" cy="0"/>
-        </a:xfrm>
-      </p:grpSpPr>
-      <p:sp>
-        <p:nvSpPr>
-          <p:cNvPr id="2" name="Titolo 1">
-            <a:extLst>
-              <a:ext uri="{FF2B5EF4-FFF2-40B4-BE49-F238E27FC236}">
-                <a16:creationId xmlns:a16="http://schemas.microsoft.com/office/drawing/2014/main" id="{E3313D06-F9E8-4504-8027-4B8B1787BFE9}"/>
-              </a:ext>
-            </a:extLst>
-          </p:cNvPr>
-          <p:cNvSpPr>
-            <a:spLocks noGrp="1"/>
-          </p:cNvSpPr>
-          <p:nvPr>
-            <p:ph type="title"/>
-          </p:nvPr>
-        </p:nvSpPr>
-        <p:spPr>
-          <a:xfrm>
-            <a:off x="3417655" y="2979413"/>
-            <a:ext cx="5356690" cy="899173"/>
-          </a:xfrm>
-        </p:spPr>
-        <p:txBody>
-          <a:bodyPr/>
-          <a:lstStyle/>
-          <a:p>
-            <a:r>
-              <a:rPr lang="it-IT" dirty="0">
-                <a:latin typeface="Times New Roman" panose="02020603050405020304" pitchFamily="18" charset="0"/>
-                <a:cs typeface="Times New Roman" panose="02020603050405020304" pitchFamily="18" charset="0"/>
-              </a:rPr>
-              <a:t>Grazie per l’attenzione</a:t>
-            </a:r>
-          </a:p>
-        </p:txBody>
-      </p:sp>
-    </p:spTree>
-    <p:extLst>
-      <p:ext uri="{BB962C8B-B14F-4D97-AF65-F5344CB8AC3E}">
-        <p14:creationId xmlns:p14="http://schemas.microsoft.com/office/powerpoint/2010/main" val="4074733934"/>
+        <p14:creationId xmlns:p14="http://schemas.microsoft.com/office/powerpoint/2010/main" val="2867140441"/>
       </p:ext>
     </p:extLst>
   </p:cSld>
@@ -5096,7 +4934,7 @@
         </p:blipFill>
         <p:spPr>
           <a:xfrm>
-            <a:off x="8232072" y="680114"/>
+            <a:off x="8429525" y="4277894"/>
             <a:ext cx="3589210" cy="2231450"/>
           </a:xfrm>
           <a:prstGeom prst="rect">
@@ -5126,7 +4964,7 @@
         </p:blipFill>
         <p:spPr>
           <a:xfrm>
-            <a:off x="9119657" y="3027727"/>
+            <a:off x="9204252" y="363546"/>
             <a:ext cx="2039755" cy="3626231"/>
           </a:xfrm>
           <a:prstGeom prst="rect">
@@ -5606,7 +5444,7 @@
         </p:nvSpPr>
         <p:spPr>
           <a:xfrm>
-            <a:off x="679927" y="334667"/>
+            <a:off x="550878" y="265028"/>
             <a:ext cx="10515600" cy="899173"/>
           </a:xfrm>
         </p:spPr>
@@ -5619,7 +5457,7 @@
                 <a:latin typeface="Times New Roman" panose="02020603050405020304" pitchFamily="18" charset="0"/>
                 <a:cs typeface="Times New Roman" panose="02020603050405020304" pitchFamily="18" charset="0"/>
               </a:rPr>
-              <a:t>Aggiornamento remoto delle app (1)</a:t>
+              <a:t>Aggiornamento remoto delle app</a:t>
             </a:r>
           </a:p>
         </p:txBody>
@@ -5691,8 +5529,43 @@
           </p:cNvPicPr>
           <p:nvPr/>
         </p:nvPicPr>
+        <p:blipFill rotWithShape="1">
+          <a:blip r:embed="rId2">
+            <a:extLst>
+              <a:ext uri="{28A0092B-C50C-407E-A947-70E740481C1C}">
+                <a14:useLocalDpi xmlns:a14="http://schemas.microsoft.com/office/drawing/2010/main" val="0"/>
+              </a:ext>
+            </a:extLst>
+          </a:blip>
+          <a:srcRect r="50775"/>
+          <a:stretch/>
+        </p:blipFill>
+        <p:spPr>
+          <a:xfrm>
+            <a:off x="710114" y="2106594"/>
+            <a:ext cx="4347079" cy="3854481"/>
+          </a:xfrm>
+          <a:prstGeom prst="rect">
+            <a:avLst/>
+          </a:prstGeom>
+        </p:spPr>
+      </p:pic>
+      <p:pic>
+        <p:nvPicPr>
+          <p:cNvPr id="5" name="Immagine 4">
+            <a:extLst>
+              <a:ext uri="{FF2B5EF4-FFF2-40B4-BE49-F238E27FC236}">
+                <a16:creationId xmlns:a16="http://schemas.microsoft.com/office/drawing/2014/main" id="{1D11F9FC-5218-46BF-82B4-DF9C89E3BAED}"/>
+              </a:ext>
+            </a:extLst>
+          </p:cNvPr>
+          <p:cNvPicPr>
+            <a:picLocks noChangeAspect="1"/>
+          </p:cNvPicPr>
+          <p:nvPr/>
+        </p:nvPicPr>
         <p:blipFill>
-          <a:blip r:embed="rId2">
+          <a:blip r:embed="rId3">
             <a:extLst>
               <a:ext uri="{28A0092B-C50C-407E-A947-70E740481C1C}">
                 <a14:useLocalDpi xmlns:a14="http://schemas.microsoft.com/office/drawing/2010/main" val="0"/>
@@ -5705,8 +5578,8 @@
         </p:blipFill>
         <p:spPr>
           <a:xfrm>
-            <a:off x="1680497" y="2106597"/>
-            <a:ext cx="8831006" cy="3854481"/>
+            <a:off x="6928291" y="1331228"/>
+            <a:ext cx="4474089" cy="5405215"/>
           </a:xfrm>
           <a:prstGeom prst="rect">
             <a:avLst/>
@@ -5748,7 +5621,7 @@
           <p:cNvPr id="2" name="Titolo 1">
             <a:extLst>
               <a:ext uri="{FF2B5EF4-FFF2-40B4-BE49-F238E27FC236}">
-                <a16:creationId xmlns:a16="http://schemas.microsoft.com/office/drawing/2014/main" id="{B44B3D24-BC37-4724-8EBA-45C21FF8837C}"/>
+                <a16:creationId xmlns:a16="http://schemas.microsoft.com/office/drawing/2014/main" id="{80EE97EF-0626-4DB4-9B67-8CD77BB32541}"/>
               </a:ext>
             </a:extLst>
           </p:cNvPr>
@@ -5761,8 +5634,8 @@
         </p:nvSpPr>
         <p:spPr>
           <a:xfrm>
-            <a:off x="688474" y="238292"/>
-            <a:ext cx="10515600" cy="899173"/>
+            <a:off x="690813" y="439743"/>
+            <a:ext cx="10515600" cy="862463"/>
           </a:xfrm>
         </p:spPr>
         <p:txBody>
@@ -5774,52 +5647,97 @@
                 <a:latin typeface="Times New Roman" panose="02020603050405020304" pitchFamily="18" charset="0"/>
                 <a:cs typeface="Times New Roman" panose="02020603050405020304" pitchFamily="18" charset="0"/>
               </a:rPr>
-              <a:t>Aggiornamento remoto delle app (2)</a:t>
-            </a:r>
-            <a:endParaRPr lang="it-IT" dirty="0"/>
-          </a:p>
-        </p:txBody>
-      </p:sp>
-      <p:pic>
-        <p:nvPicPr>
-          <p:cNvPr id="4" name="Immagine 3">
-            <a:extLst>
-              <a:ext uri="{FF2B5EF4-FFF2-40B4-BE49-F238E27FC236}">
-                <a16:creationId xmlns:a16="http://schemas.microsoft.com/office/drawing/2014/main" id="{6222FAE7-8822-43BC-8FD6-E0E05EBD6BCC}"/>
-              </a:ext>
-            </a:extLst>
-          </p:cNvPr>
-          <p:cNvPicPr>
-            <a:picLocks noChangeAspect="1"/>
-          </p:cNvPicPr>
-          <p:nvPr/>
-        </p:nvPicPr>
-        <p:blipFill>
-          <a:blip r:embed="rId2">
-            <a:extLst>
-              <a:ext uri="{28A0092B-C50C-407E-A947-70E740481C1C}">
-                <a14:useLocalDpi xmlns:a14="http://schemas.microsoft.com/office/drawing/2010/main" val="0"/>
-              </a:ext>
-            </a:extLst>
-          </a:blip>
-          <a:stretch>
-            <a:fillRect/>
-          </a:stretch>
-        </p:blipFill>
+              <a:t>Conclusioni</a:t>
+            </a:r>
+          </a:p>
+        </p:txBody>
+      </p:sp>
+      <p:sp>
+        <p:nvSpPr>
+          <p:cNvPr id="4" name="Segnaposto contenuto 3">
+            <a:extLst>
+              <a:ext uri="{FF2B5EF4-FFF2-40B4-BE49-F238E27FC236}">
+                <a16:creationId xmlns:a16="http://schemas.microsoft.com/office/drawing/2014/main" id="{F35D2BEF-CD70-4095-AA5A-4B4ADC5A5253}"/>
+              </a:ext>
+            </a:extLst>
+          </p:cNvPr>
+          <p:cNvSpPr>
+            <a:spLocks noGrp="1"/>
+          </p:cNvSpPr>
+          <p:nvPr>
+            <p:ph idx="1"/>
+          </p:nvPr>
+        </p:nvSpPr>
         <p:spPr>
           <a:xfrm>
-            <a:off x="3709229" y="1214493"/>
-            <a:ext cx="4474089" cy="5405215"/>
+            <a:off x="690813" y="1874982"/>
+            <a:ext cx="11804780" cy="5325058"/>
           </a:xfrm>
-          <a:prstGeom prst="rect">
-            <a:avLst/>
-          </a:prstGeom>
         </p:spPr>
-      </p:pic>
+        <p:txBody>
+          <a:bodyPr>
+            <a:normAutofit/>
+          </a:bodyPr>
+          <a:lstStyle/>
+          <a:p>
+            <a:pPr>
+              <a:lnSpc>
+                <a:spcPct val="300000"/>
+              </a:lnSpc>
+            </a:pPr>
+            <a:r>
+              <a:rPr lang="it-IT" dirty="0">
+                <a:latin typeface="Times New Roman" panose="02020603050405020304" pitchFamily="18" charset="0"/>
+                <a:cs typeface="Times New Roman" panose="02020603050405020304" pitchFamily="18" charset="0"/>
+              </a:rPr>
+              <a:t>Risoluzione immediata delle problematiche</a:t>
+            </a:r>
+          </a:p>
+          <a:p>
+            <a:pPr>
+              <a:lnSpc>
+                <a:spcPct val="300000"/>
+              </a:lnSpc>
+            </a:pPr>
+            <a:r>
+              <a:rPr lang="it-IT" dirty="0">
+                <a:latin typeface="Times New Roman" panose="02020603050405020304" pitchFamily="18" charset="0"/>
+                <a:cs typeface="Times New Roman" panose="02020603050405020304" pitchFamily="18" charset="0"/>
+              </a:rPr>
+              <a:t>Facile scalabilità dell’architettura informatica</a:t>
+            </a:r>
+          </a:p>
+          <a:p>
+            <a:pPr>
+              <a:lnSpc>
+                <a:spcPct val="300000"/>
+              </a:lnSpc>
+            </a:pPr>
+            <a:r>
+              <a:rPr lang="it-IT" dirty="0">
+                <a:latin typeface="Times New Roman" panose="02020603050405020304" pitchFamily="18" charset="0"/>
+                <a:cs typeface="Times New Roman" panose="02020603050405020304" pitchFamily="18" charset="0"/>
+              </a:rPr>
+              <a:t>Aggiunta di nuove funzionalità in futuro</a:t>
+            </a:r>
+          </a:p>
+          <a:p>
+            <a:pPr>
+              <a:lnSpc>
+                <a:spcPct val="200000"/>
+              </a:lnSpc>
+            </a:pPr>
+            <a:endParaRPr lang="it-IT" dirty="0">
+              <a:latin typeface="Times New Roman" panose="02020603050405020304" pitchFamily="18" charset="0"/>
+              <a:cs typeface="Times New Roman" panose="02020603050405020304" pitchFamily="18" charset="0"/>
+            </a:endParaRPr>
+          </a:p>
+        </p:txBody>
+      </p:sp>
     </p:spTree>
     <p:extLst>
       <p:ext uri="{BB962C8B-B14F-4D97-AF65-F5344CB8AC3E}">
-        <p14:creationId xmlns:p14="http://schemas.microsoft.com/office/powerpoint/2010/main" val="1145801850"/>
+        <p14:creationId xmlns:p14="http://schemas.microsoft.com/office/powerpoint/2010/main" val="1872494099"/>
       </p:ext>
     </p:extLst>
   </p:cSld>
